--- a/documentation/OperationRoom/presentation/ORP_neher_buettiker.pptx
+++ b/documentation/OperationRoom/presentation/ORP_neher_buettiker.pptx
@@ -8,14 +8,15 @@
     <p:sldId id="256" r:id="rId2"/>
     <p:sldId id="258" r:id="rId3"/>
     <p:sldId id="259" r:id="rId4"/>
-    <p:sldId id="260" r:id="rId5"/>
-    <p:sldId id="263" r:id="rId6"/>
-    <p:sldId id="261" r:id="rId7"/>
-    <p:sldId id="262" r:id="rId8"/>
-    <p:sldId id="266" r:id="rId9"/>
-    <p:sldId id="264" r:id="rId10"/>
-    <p:sldId id="265" r:id="rId11"/>
-    <p:sldId id="257" r:id="rId12"/>
+    <p:sldId id="267" r:id="rId5"/>
+    <p:sldId id="260" r:id="rId6"/>
+    <p:sldId id="263" r:id="rId7"/>
+    <p:sldId id="261" r:id="rId8"/>
+    <p:sldId id="262" r:id="rId9"/>
+    <p:sldId id="266" r:id="rId10"/>
+    <p:sldId id="264" r:id="rId11"/>
+    <p:sldId id="265" r:id="rId12"/>
+    <p:sldId id="257" r:id="rId13"/>
   </p:sldIdLst>
   <p:sldSz cx="9144000" cy="6858000" type="screen4x3"/>
   <p:notesSz cx="6858000" cy="9144000"/>
@@ -305,7 +306,7 @@
           <a:p>
             <a:fld id="{1BA50D42-C9CD-4801-B293-61D1F53EC57E}" type="datetimeFigureOut">
               <a:rPr lang="de-DE" smtClean="0"/>
-              <a:t>13.03.2013</a:t>
+              <a:t>3/13/13</a:t>
             </a:fld>
             <a:endParaRPr lang="de-DE"/>
           </a:p>
@@ -347,7 +348,7 @@
           <a:p>
             <a:fld id="{6C6AE60A-B69C-4790-82F7-3882EDF23186}" type="slidenum">
               <a:rPr lang="de-DE" smtClean="0"/>
-              <a:t>‹Nr.›</a:t>
+              <a:t>‹#›</a:t>
             </a:fld>
             <a:endParaRPr lang="de-DE"/>
           </a:p>
@@ -505,7 +506,7 @@
           <a:p>
             <a:fld id="{1BA50D42-C9CD-4801-B293-61D1F53EC57E}" type="datetimeFigureOut">
               <a:rPr lang="de-DE" smtClean="0"/>
-              <a:t>13.03.2013</a:t>
+              <a:t>3/13/13</a:t>
             </a:fld>
             <a:endParaRPr lang="de-DE"/>
           </a:p>
@@ -547,7 +548,7 @@
           <a:p>
             <a:fld id="{6C6AE60A-B69C-4790-82F7-3882EDF23186}" type="slidenum">
               <a:rPr lang="de-DE" smtClean="0"/>
-              <a:t>‹Nr.›</a:t>
+              <a:t>‹#›</a:t>
             </a:fld>
             <a:endParaRPr lang="de-DE"/>
           </a:p>
@@ -680,7 +681,7 @@
           <a:p>
             <a:fld id="{1BA50D42-C9CD-4801-B293-61D1F53EC57E}" type="datetimeFigureOut">
               <a:rPr lang="de-DE" smtClean="0"/>
-              <a:t>13.03.2013</a:t>
+              <a:t>3/13/13</a:t>
             </a:fld>
             <a:endParaRPr lang="de-DE"/>
           </a:p>
@@ -722,7 +723,7 @@
           <a:p>
             <a:fld id="{6C6AE60A-B69C-4790-82F7-3882EDF23186}" type="slidenum">
               <a:rPr lang="de-DE" smtClean="0"/>
-              <a:t>‹Nr.›</a:t>
+              <a:t>‹#›</a:t>
             </a:fld>
             <a:endParaRPr lang="de-DE"/>
           </a:p>
@@ -845,7 +846,7 @@
           <a:p>
             <a:fld id="{1BA50D42-C9CD-4801-B293-61D1F53EC57E}" type="datetimeFigureOut">
               <a:rPr lang="de-DE" smtClean="0"/>
-              <a:t>13.03.2013</a:t>
+              <a:t>3/13/13</a:t>
             </a:fld>
             <a:endParaRPr lang="de-DE"/>
           </a:p>
@@ -887,7 +888,7 @@
           <a:p>
             <a:fld id="{6C6AE60A-B69C-4790-82F7-3882EDF23186}" type="slidenum">
               <a:rPr lang="de-DE" smtClean="0"/>
-              <a:t>‹Nr.›</a:t>
+              <a:t>‹#›</a:t>
             </a:fld>
             <a:endParaRPr lang="de-DE"/>
           </a:p>
@@ -1093,7 +1094,7 @@
           <a:p>
             <a:fld id="{1BA50D42-C9CD-4801-B293-61D1F53EC57E}" type="datetimeFigureOut">
               <a:rPr lang="de-DE" smtClean="0"/>
-              <a:t>13.03.2013</a:t>
+              <a:t>3/13/13</a:t>
             </a:fld>
             <a:endParaRPr lang="de-DE"/>
           </a:p>
@@ -1135,7 +1136,7 @@
           <a:p>
             <a:fld id="{6C6AE60A-B69C-4790-82F7-3882EDF23186}" type="slidenum">
               <a:rPr lang="de-DE" smtClean="0"/>
-              <a:t>‹Nr.›</a:t>
+              <a:t>‹#›</a:t>
             </a:fld>
             <a:endParaRPr lang="de-DE"/>
           </a:p>
@@ -1411,7 +1412,7 @@
           <a:p>
             <a:fld id="{1BA50D42-C9CD-4801-B293-61D1F53EC57E}" type="datetimeFigureOut">
               <a:rPr lang="de-DE" smtClean="0"/>
-              <a:t>13.03.2013</a:t>
+              <a:t>3/13/13</a:t>
             </a:fld>
             <a:endParaRPr lang="de-DE"/>
           </a:p>
@@ -1453,7 +1454,7 @@
           <a:p>
             <a:fld id="{6C6AE60A-B69C-4790-82F7-3882EDF23186}" type="slidenum">
               <a:rPr lang="de-DE" smtClean="0"/>
-              <a:t>‹Nr.›</a:t>
+              <a:t>‹#›</a:t>
             </a:fld>
             <a:endParaRPr lang="de-DE"/>
           </a:p>
@@ -1877,7 +1878,7 @@
           <a:p>
             <a:fld id="{1BA50D42-C9CD-4801-B293-61D1F53EC57E}" type="datetimeFigureOut">
               <a:rPr lang="de-DE" smtClean="0"/>
-              <a:t>13.03.2013</a:t>
+              <a:t>3/13/13</a:t>
             </a:fld>
             <a:endParaRPr lang="de-DE"/>
           </a:p>
@@ -1919,7 +1920,7 @@
           <a:p>
             <a:fld id="{6C6AE60A-B69C-4790-82F7-3882EDF23186}" type="slidenum">
               <a:rPr lang="de-DE" smtClean="0"/>
-              <a:t>‹Nr.›</a:t>
+              <a:t>‹#›</a:t>
             </a:fld>
             <a:endParaRPr lang="de-DE"/>
           </a:p>
@@ -2025,7 +2026,7 @@
           <a:p>
             <a:fld id="{1BA50D42-C9CD-4801-B293-61D1F53EC57E}" type="datetimeFigureOut">
               <a:rPr lang="de-DE" smtClean="0"/>
-              <a:t>13.03.2013</a:t>
+              <a:t>3/13/13</a:t>
             </a:fld>
             <a:endParaRPr lang="de-DE"/>
           </a:p>
@@ -2067,7 +2068,7 @@
           <a:p>
             <a:fld id="{6C6AE60A-B69C-4790-82F7-3882EDF23186}" type="slidenum">
               <a:rPr lang="de-DE" smtClean="0"/>
-              <a:t>‹Nr.›</a:t>
+              <a:t>‹#›</a:t>
             </a:fld>
             <a:endParaRPr lang="de-DE"/>
           </a:p>
@@ -2115,7 +2116,7 @@
           <a:p>
             <a:fld id="{1BA50D42-C9CD-4801-B293-61D1F53EC57E}" type="datetimeFigureOut">
               <a:rPr lang="de-DE" smtClean="0"/>
-              <a:t>13.03.2013</a:t>
+              <a:t>3/13/13</a:t>
             </a:fld>
             <a:endParaRPr lang="de-DE"/>
           </a:p>
@@ -2157,7 +2158,7 @@
           <a:p>
             <a:fld id="{6C6AE60A-B69C-4790-82F7-3882EDF23186}" type="slidenum">
               <a:rPr lang="de-DE" smtClean="0"/>
-              <a:t>‹Nr.›</a:t>
+              <a:t>‹#›</a:t>
             </a:fld>
             <a:endParaRPr lang="de-DE"/>
           </a:p>
@@ -2389,7 +2390,7 @@
           <a:p>
             <a:fld id="{1BA50D42-C9CD-4801-B293-61D1F53EC57E}" type="datetimeFigureOut">
               <a:rPr lang="de-DE" smtClean="0"/>
-              <a:t>13.03.2013</a:t>
+              <a:t>3/13/13</a:t>
             </a:fld>
             <a:endParaRPr lang="de-DE"/>
           </a:p>
@@ -2431,7 +2432,7 @@
           <a:p>
             <a:fld id="{6C6AE60A-B69C-4790-82F7-3882EDF23186}" type="slidenum">
               <a:rPr lang="de-DE" smtClean="0"/>
-              <a:t>‹Nr.›</a:t>
+              <a:t>‹#›</a:t>
             </a:fld>
             <a:endParaRPr lang="de-DE"/>
           </a:p>
@@ -2694,7 +2695,7 @@
           <a:p>
             <a:fld id="{1BA50D42-C9CD-4801-B293-61D1F53EC57E}" type="datetimeFigureOut">
               <a:rPr lang="de-DE" smtClean="0"/>
-              <a:t>13.03.2013</a:t>
+              <a:t>3/13/13</a:t>
             </a:fld>
             <a:endParaRPr lang="de-DE"/>
           </a:p>
@@ -2736,7 +2737,7 @@
           <a:p>
             <a:fld id="{6C6AE60A-B69C-4790-82F7-3882EDF23186}" type="slidenum">
               <a:rPr lang="de-DE" smtClean="0"/>
-              <a:t>‹Nr.›</a:t>
+              <a:t>‹#›</a:t>
             </a:fld>
             <a:endParaRPr lang="de-DE"/>
           </a:p>
@@ -2992,7 +2993,7 @@
           <a:p>
             <a:fld id="{1BA50D42-C9CD-4801-B293-61D1F53EC57E}" type="datetimeFigureOut">
               <a:rPr lang="de-DE" smtClean="0"/>
-              <a:t>13.03.2013</a:t>
+              <a:t>3/13/13</a:t>
             </a:fld>
             <a:endParaRPr lang="de-DE"/>
           </a:p>
@@ -3066,7 +3067,7 @@
           <a:p>
             <a:fld id="{6C6AE60A-B69C-4790-82F7-3882EDF23186}" type="slidenum">
               <a:rPr lang="de-DE" smtClean="0"/>
-              <a:t>‹Nr.›</a:t>
+              <a:t>‹#›</a:t>
             </a:fld>
             <a:endParaRPr lang="de-DE"/>
           </a:p>
@@ -3483,7 +3484,7 @@
   <p:timing>
     <p:tnLst>
       <p:par>
-        <p:cTn id="1" dur="indefinite" restart="never" nodeType="tmRoot"/>
+        <p:cTn xmlns:p14="http://schemas.microsoft.com/office/powerpoint/2010/main" id="1" dur="indefinite" restart="never" nodeType="tmRoot"/>
       </p:par>
     </p:tnLst>
   </p:timing>
@@ -3491,6 +3492,228 @@
 </file>
 
 <file path=ppt/slides/slide10.xml><?xml version="1.0" encoding="utf-8"?>
+<p:sld xmlns:a="http://schemas.openxmlformats.org/drawingml/2006/main" xmlns:r="http://schemas.openxmlformats.org/officeDocument/2006/relationships" xmlns:p="http://schemas.openxmlformats.org/presentationml/2006/main">
+  <p:cSld>
+    <p:spTree>
+      <p:nvGrpSpPr>
+        <p:cNvPr id="1" name=""/>
+        <p:cNvGrpSpPr/>
+        <p:nvPr/>
+      </p:nvGrpSpPr>
+      <p:grpSpPr>
+        <a:xfrm>
+          <a:off x="0" y="0"/>
+          <a:ext cx="0" cy="0"/>
+          <a:chOff x="0" y="0"/>
+          <a:chExt cx="0" cy="0"/>
+        </a:xfrm>
+      </p:grpSpPr>
+      <p:sp>
+        <p:nvSpPr>
+          <p:cNvPr id="2" name="Titel 1"/>
+          <p:cNvSpPr>
+            <a:spLocks noGrp="1"/>
+          </p:cNvSpPr>
+          <p:nvPr>
+            <p:ph type="title"/>
+          </p:nvPr>
+        </p:nvSpPr>
+        <p:spPr/>
+        <p:txBody>
+          <a:bodyPr/>
+          <a:lstStyle/>
+          <a:p>
+            <a:r>
+              <a:rPr lang="de-CH" dirty="0" smtClean="0"/>
+              <a:t>Interaction</a:t>
+            </a:r>
+            <a:endParaRPr lang="en-US" dirty="0"/>
+          </a:p>
+        </p:txBody>
+      </p:sp>
+      <p:sp>
+        <p:nvSpPr>
+          <p:cNvPr id="3" name="Inhaltsplatzhalter 2"/>
+          <p:cNvSpPr>
+            <a:spLocks noGrp="1"/>
+          </p:cNvSpPr>
+          <p:nvPr>
+            <p:ph idx="1"/>
+          </p:nvPr>
+        </p:nvSpPr>
+        <p:spPr/>
+        <p:txBody>
+          <a:bodyPr>
+            <a:normAutofit/>
+          </a:bodyPr>
+          <a:lstStyle/>
+          <a:p>
+            <a:r>
+              <a:rPr lang="de-CH" sz="3000" dirty="0" err="1" smtClean="0"/>
+              <a:t>Auctions</a:t>
+            </a:r>
+            <a:endParaRPr lang="de-CH" sz="3000" dirty="0"/>
+          </a:p>
+          <a:p>
+            <a:pPr lvl="1"/>
+            <a:r>
+              <a:rPr lang="de-CH" sz="2600" dirty="0" smtClean="0"/>
+              <a:t>Departments </a:t>
+            </a:r>
+            <a:r>
+              <a:rPr lang="de-CH" sz="2600" dirty="0" err="1" smtClean="0"/>
+              <a:t>bid</a:t>
+            </a:r>
+            <a:r>
+              <a:rPr lang="de-CH" sz="2600" dirty="0" smtClean="0"/>
+              <a:t> </a:t>
+            </a:r>
+            <a:r>
+              <a:rPr lang="de-CH" sz="2600" dirty="0" err="1" smtClean="0"/>
+              <a:t>for</a:t>
+            </a:r>
+            <a:r>
+              <a:rPr lang="de-CH" sz="2600" dirty="0" smtClean="0"/>
+              <a:t> </a:t>
+            </a:r>
+            <a:r>
+              <a:rPr lang="de-CH" sz="2600" dirty="0" err="1" smtClean="0"/>
+              <a:t>resources</a:t>
+            </a:r>
+            <a:endParaRPr lang="de-CH" sz="2600" dirty="0" smtClean="0"/>
+          </a:p>
+          <a:p>
+            <a:pPr lvl="1"/>
+            <a:r>
+              <a:rPr lang="de-CH" sz="2600" dirty="0" smtClean="0"/>
+              <a:t>Price </a:t>
+            </a:r>
+            <a:r>
+              <a:rPr lang="de-CH" sz="2600" dirty="0" err="1" smtClean="0"/>
+              <a:t>is</a:t>
+            </a:r>
+            <a:r>
+              <a:rPr lang="de-CH" sz="2600" dirty="0" smtClean="0"/>
+              <a:t> </a:t>
+            </a:r>
+            <a:r>
+              <a:rPr lang="de-CH" sz="2600" dirty="0" err="1" smtClean="0"/>
+              <a:t>health</a:t>
+            </a:r>
+            <a:r>
+              <a:rPr lang="de-CH" sz="2600" dirty="0" smtClean="0"/>
+              <a:t> </a:t>
+            </a:r>
+            <a:r>
+              <a:rPr lang="de-CH" sz="2600" dirty="0" err="1" smtClean="0"/>
+              <a:t>status</a:t>
+            </a:r>
+            <a:r>
+              <a:rPr lang="de-CH" sz="2600" dirty="0"/>
+              <a:t> </a:t>
+            </a:r>
+            <a:r>
+              <a:rPr lang="de-CH" sz="2600" dirty="0" err="1" smtClean="0"/>
+              <a:t>of</a:t>
+            </a:r>
+            <a:r>
+              <a:rPr lang="de-CH" sz="2600" dirty="0" smtClean="0"/>
+              <a:t> </a:t>
+            </a:r>
+            <a:r>
+              <a:rPr lang="de-CH" sz="2600" dirty="0" err="1" smtClean="0"/>
+              <a:t>patient</a:t>
+            </a:r>
+            <a:endParaRPr lang="de-CH" sz="2600" dirty="0" smtClean="0"/>
+          </a:p>
+          <a:p>
+            <a:pPr lvl="1"/>
+            <a:endParaRPr lang="de-CH" sz="2600" dirty="0"/>
+          </a:p>
+          <a:p>
+            <a:r>
+              <a:rPr lang="de-CH" sz="3000" dirty="0" err="1" smtClean="0"/>
+              <a:t>Contract</a:t>
+            </a:r>
+            <a:r>
+              <a:rPr lang="de-CH" sz="3000" dirty="0" smtClean="0"/>
+              <a:t> Net Protocol</a:t>
+            </a:r>
+          </a:p>
+          <a:p>
+            <a:pPr lvl="1"/>
+            <a:r>
+              <a:rPr lang="de-CH" sz="2600" dirty="0" smtClean="0"/>
+              <a:t>Interaction </a:t>
+            </a:r>
+            <a:r>
+              <a:rPr lang="de-CH" sz="2600" dirty="0" err="1" smtClean="0"/>
+              <a:t>between</a:t>
+            </a:r>
+            <a:r>
+              <a:rPr lang="de-CH" sz="2600" dirty="0" smtClean="0"/>
+              <a:t> </a:t>
+            </a:r>
+            <a:r>
+              <a:rPr lang="de-CH" sz="2600" dirty="0" err="1" smtClean="0"/>
+              <a:t>departments</a:t>
+            </a:r>
+            <a:endParaRPr lang="de-CH" sz="2600" dirty="0" smtClean="0"/>
+          </a:p>
+          <a:p>
+            <a:pPr lvl="1"/>
+            <a:r>
+              <a:rPr lang="de-CH" sz="2600" dirty="0" smtClean="0"/>
+              <a:t>Task </a:t>
+            </a:r>
+            <a:r>
+              <a:rPr lang="de-CH" sz="2600" dirty="0" err="1" smtClean="0"/>
+              <a:t>are</a:t>
+            </a:r>
+            <a:r>
+              <a:rPr lang="de-CH" sz="2600" dirty="0"/>
+              <a:t> </a:t>
+            </a:r>
+            <a:r>
+              <a:rPr lang="de-CH" sz="2600" dirty="0" err="1" smtClean="0"/>
+              <a:t>missing</a:t>
+            </a:r>
+            <a:r>
+              <a:rPr lang="de-CH" sz="2600" dirty="0" smtClean="0"/>
+              <a:t> </a:t>
+            </a:r>
+            <a:r>
+              <a:rPr lang="de-CH" sz="2600" dirty="0" err="1" smtClean="0"/>
+              <a:t>resources</a:t>
+            </a:r>
+            <a:endParaRPr lang="de-CH" sz="2600" dirty="0" smtClean="0"/>
+          </a:p>
+          <a:p>
+            <a:endParaRPr lang="en-US" sz="3000" dirty="0" smtClean="0"/>
+          </a:p>
+        </p:txBody>
+      </p:sp>
+    </p:spTree>
+    <p:extLst>
+      <p:ext uri="{BB962C8B-B14F-4D97-AF65-F5344CB8AC3E}">
+        <p14:creationId xmlns:p14="http://schemas.microsoft.com/office/powerpoint/2010/main" val="1269214102"/>
+      </p:ext>
+    </p:extLst>
+  </p:cSld>
+  <p:clrMapOvr>
+    <a:masterClrMapping/>
+  </p:clrMapOvr>
+  <p:timing>
+    <p:tnLst>
+      <p:par>
+        <p:cTn xmlns:p14="http://schemas.microsoft.com/office/powerpoint/2010/main" id="1" dur="indefinite" restart="never" nodeType="tmRoot"/>
+      </p:par>
+    </p:tnLst>
+  </p:timing>
+</p:sld>
+</file>
+
+<file path=ppt/slides/slide11.xml><?xml version="1.0" encoding="utf-8"?>
 <p:sld xmlns:a="http://schemas.openxmlformats.org/drawingml/2006/main" xmlns:r="http://schemas.openxmlformats.org/officeDocument/2006/relationships" xmlns:p="http://schemas.openxmlformats.org/presentationml/2006/main">
   <p:cSld>
     <p:spTree>
@@ -3568,14 +3791,14 @@
             <a:noFill/>
           </a:ln>
           <a:extLst>
-            <a:ext uri="{909E8E84-426E-40DD-AFC4-6F175D3DCCD1}">
+            <a:ext uri="{909E8E84-426E-40dd-AFC4-6F175D3DCCD1}">
               <a14:hiddenFill xmlns:a14="http://schemas.microsoft.com/office/drawing/2010/main">
                 <a:solidFill>
                   <a:schemeClr val="accent1"/>
                 </a:solidFill>
               </a14:hiddenFill>
             </a:ext>
-            <a:ext uri="{91240B29-F687-4F45-9708-019B960494DF}">
+            <a:ext uri="{91240B29-F687-4f45-9708-019B960494DF}">
               <a14:hiddenLine xmlns:a14="http://schemas.microsoft.com/office/drawing/2010/main" w="9525">
                 <a:solidFill>
                   <a:schemeClr val="tx1"/>
@@ -3601,14 +3824,14 @@
   <p:timing>
     <p:tnLst>
       <p:par>
-        <p:cTn id="1" dur="indefinite" restart="never" nodeType="tmRoot"/>
+        <p:cTn xmlns:p14="http://schemas.microsoft.com/office/powerpoint/2010/main" id="1" dur="indefinite" restart="never" nodeType="tmRoot"/>
       </p:par>
     </p:tnLst>
   </p:timing>
 </p:sld>
 </file>
 
-<file path=ppt/slides/slide11.xml><?xml version="1.0" encoding="utf-8"?>
+<file path=ppt/slides/slide12.xml><?xml version="1.0" encoding="utf-8"?>
 <p:sld xmlns:a="http://schemas.openxmlformats.org/drawingml/2006/main" xmlns:r="http://schemas.openxmlformats.org/officeDocument/2006/relationships" xmlns:p="http://schemas.openxmlformats.org/presentationml/2006/main">
   <p:cSld>
     <p:spTree>
@@ -3703,8 +3926,13 @@
             </a:r>
             <a:r>
               <a:rPr lang="de-CH" dirty="0" smtClean="0"/>
-              <a:t> postoperative</a:t>
-            </a:r>
+              <a:t> </a:t>
+            </a:r>
+            <a:r>
+              <a:rPr lang="de-CH" dirty="0" smtClean="0"/>
+              <a:t>postoperative?</a:t>
+            </a:r>
+            <a:endParaRPr lang="de-CH" dirty="0" smtClean="0"/>
           </a:p>
           <a:p>
             <a:r>
@@ -3745,8 +3973,15 @@
             </a:r>
             <a:r>
               <a:rPr lang="de-CH" dirty="0" smtClean="0"/>
-              <a:t> CNP?</a:t>
-            </a:r>
+              <a:t> CNP</a:t>
+            </a:r>
+            <a:r>
+              <a:rPr lang="de-CH" dirty="0" smtClean="0"/>
+              <a:t>?</a:t>
+            </a:r>
+          </a:p>
+          <a:p>
+            <a:pPr lvl="1"/>
             <a:endParaRPr lang="en-US" dirty="0"/>
           </a:p>
         </p:txBody>
@@ -3764,7 +3999,7 @@
   <p:timing>
     <p:tnLst>
       <p:par>
-        <p:cTn id="1" dur="indefinite" restart="never" nodeType="tmRoot"/>
+        <p:cTn xmlns:p14="http://schemas.microsoft.com/office/powerpoint/2010/main" id="1" dur="indefinite" restart="never" nodeType="tmRoot"/>
       </p:par>
     </p:tnLst>
   </p:timing>
@@ -3873,7 +4108,7 @@
   <p:timing>
     <p:tnLst>
       <p:par>
-        <p:cTn id="1" dur="indefinite" restart="never" nodeType="tmRoot"/>
+        <p:cTn xmlns:p14="http://schemas.microsoft.com/office/powerpoint/2010/main" id="1" dur="indefinite" restart="never" nodeType="tmRoot"/>
       </p:par>
     </p:tnLst>
   </p:timing>
@@ -3987,14 +4222,95 @@
           </a:p>
           <a:p>
             <a:r>
-              <a:rPr lang="de-CH" sz="3000" dirty="0" smtClean="0"/>
-              <a:t>Learning </a:t>
-            </a:r>
-            <a:r>
-              <a:rPr lang="de-CH" sz="3000" dirty="0" err="1" smtClean="0"/>
-              <a:t>Agents</a:t>
-            </a:r>
-            <a:endParaRPr lang="de-CH" sz="2600" dirty="0" smtClean="0"/>
+              <a:rPr lang="de-CH" sz="3000" dirty="0" err="1" smtClean="0"/>
+              <a:t>Layered</a:t>
+            </a:r>
+            <a:r>
+              <a:rPr lang="de-CH" sz="3000" dirty="0" smtClean="0"/>
+              <a:t> </a:t>
+            </a:r>
+            <a:r>
+              <a:rPr lang="de-CH" sz="3000" dirty="0" err="1" smtClean="0"/>
+              <a:t>approach</a:t>
+            </a:r>
+            <a:endParaRPr lang="de-CH" sz="3000" dirty="0" smtClean="0"/>
+          </a:p>
+          <a:p>
+            <a:pPr lvl="1"/>
+            <a:r>
+              <a:rPr lang="de-CH" sz="2600" dirty="0" err="1" smtClean="0"/>
+              <a:t>Bottom</a:t>
+            </a:r>
+            <a:r>
+              <a:rPr lang="de-CH" sz="2600" dirty="0" smtClean="0"/>
+              <a:t> Layer </a:t>
+            </a:r>
+            <a:r>
+              <a:rPr lang="de-CH" sz="2600" dirty="0" smtClean="0">
+                <a:sym typeface="Wingdings"/>
+              </a:rPr>
+              <a:t> </a:t>
+            </a:r>
+            <a:r>
+              <a:rPr lang="de-CH" sz="2600" dirty="0" err="1" smtClean="0"/>
+              <a:t>reactive</a:t>
+            </a:r>
+            <a:r>
+              <a:rPr lang="de-CH" sz="2600" dirty="0" smtClean="0"/>
+              <a:t> </a:t>
+            </a:r>
+            <a:r>
+              <a:rPr lang="de-CH" sz="2600" dirty="0" err="1" smtClean="0"/>
+              <a:t>behaviour</a:t>
+            </a:r>
+            <a:r>
+              <a:rPr lang="de-CH" sz="2600" dirty="0" smtClean="0"/>
+              <a:t> </a:t>
+            </a:r>
+          </a:p>
+          <a:p>
+            <a:pPr lvl="1"/>
+            <a:r>
+              <a:rPr lang="de-CH" sz="2600" dirty="0" smtClean="0"/>
+              <a:t>Top Layer </a:t>
+            </a:r>
+            <a:r>
+              <a:rPr lang="de-CH" sz="2600" dirty="0" smtClean="0">
+                <a:sym typeface="Wingdings"/>
+              </a:rPr>
+              <a:t> </a:t>
+            </a:r>
+            <a:r>
+              <a:rPr lang="de-CH" sz="2600" dirty="0" err="1" smtClean="0">
+                <a:sym typeface="Wingdings"/>
+              </a:rPr>
+              <a:t>long</a:t>
+            </a:r>
+            <a:r>
+              <a:rPr lang="de-CH" sz="2600" dirty="0" smtClean="0">
+                <a:sym typeface="Wingdings"/>
+              </a:rPr>
+              <a:t> </a:t>
+            </a:r>
+            <a:r>
+              <a:rPr lang="de-CH" sz="2600" dirty="0" err="1" smtClean="0">
+                <a:sym typeface="Wingdings"/>
+              </a:rPr>
+              <a:t>term</a:t>
+            </a:r>
+            <a:r>
+              <a:rPr lang="de-CH" sz="2600" dirty="0" smtClean="0">
+                <a:sym typeface="Wingdings"/>
+              </a:rPr>
+              <a:t> </a:t>
+            </a:r>
+            <a:r>
+              <a:rPr lang="de-CH" sz="2600" dirty="0" err="1" smtClean="0">
+                <a:sym typeface="Wingdings"/>
+              </a:rPr>
+              <a:t>planning</a:t>
+            </a:r>
+            <a:endParaRPr lang="de-CH" sz="2600" dirty="0"/>
           </a:p>
           <a:p>
             <a:endParaRPr lang="de-CH" sz="3000" dirty="0" smtClean="0"/>
@@ -4014,7 +4330,7 @@
   <p:timing>
     <p:tnLst>
       <p:par>
-        <p:cTn id="1" dur="indefinite" restart="never" nodeType="tmRoot"/>
+        <p:cTn xmlns:p14="http://schemas.microsoft.com/office/powerpoint/2010/main" id="1" dur="indefinite" restart="never" nodeType="tmRoot"/>
       </p:par>
     </p:tnLst>
   </p:timing>
@@ -4040,7 +4356,7 @@
       </p:grpSpPr>
       <p:sp>
         <p:nvSpPr>
-          <p:cNvPr id="2" name="Titel 1"/>
+          <p:cNvPr id="2" name="Title 1"/>
           <p:cNvSpPr>
             <a:spLocks noGrp="1"/>
           </p:cNvSpPr>
@@ -4054,16 +4370,8 @@
           <a:lstStyle/>
           <a:p>
             <a:r>
-              <a:rPr lang="de-CH" dirty="0" smtClean="0"/>
-              <a:t>GAIA – Subdivision </a:t>
-            </a:r>
-            <a:r>
-              <a:rPr lang="de-CH" dirty="0" err="1" smtClean="0"/>
-              <a:t>of</a:t>
-            </a:r>
-            <a:r>
-              <a:rPr lang="de-CH" dirty="0" smtClean="0"/>
-              <a:t> System</a:t>
+              <a:rPr lang="en-US" dirty="0" smtClean="0"/>
+              <a:t>Architecture II</a:t>
             </a:r>
             <a:endParaRPr lang="en-US" dirty="0"/>
           </a:p>
@@ -4071,7 +4379,7 @@
       </p:sp>
       <p:sp>
         <p:nvSpPr>
-          <p:cNvPr id="3" name="Inhaltsplatzhalter 2"/>
+          <p:cNvPr id="3" name="Content Placeholder 2"/>
           <p:cNvSpPr>
             <a:spLocks noGrp="1"/>
           </p:cNvSpPr>
@@ -4085,79 +4393,114 @@
           <a:lstStyle/>
           <a:p>
             <a:r>
-              <a:rPr lang="de-CH" sz="3000" dirty="0" smtClean="0"/>
-              <a:t>Patient Manager</a:t>
-            </a:r>
-          </a:p>
-          <a:p>
-            <a:r>
-              <a:rPr lang="de-CH" sz="3000" dirty="0" smtClean="0"/>
-              <a:t>Patient Departments</a:t>
-            </a:r>
-          </a:p>
-          <a:p>
-            <a:r>
-              <a:rPr lang="de-CH" sz="3000" dirty="0" err="1" smtClean="0"/>
-              <a:t>Resource</a:t>
-            </a:r>
-            <a:r>
-              <a:rPr lang="de-CH" sz="3000" dirty="0" smtClean="0"/>
-              <a:t> Providers</a:t>
-            </a:r>
+              <a:rPr lang="de-CH" sz="3000" dirty="0"/>
+              <a:t>Learning </a:t>
+            </a:r>
+            <a:r>
+              <a:rPr lang="de-CH" sz="3000" dirty="0" err="1"/>
+              <a:t>Agents</a:t>
+            </a:r>
+            <a:endParaRPr lang="de-CH" sz="3000" dirty="0"/>
           </a:p>
           <a:p>
             <a:pPr lvl="1"/>
             <a:r>
-              <a:rPr lang="de-CH" sz="2600" dirty="0" smtClean="0"/>
-              <a:t>Operating </a:t>
-            </a:r>
-            <a:r>
-              <a:rPr lang="de-CH" sz="2600" dirty="0" err="1" smtClean="0"/>
-              <a:t>Room</a:t>
-            </a:r>
-            <a:r>
-              <a:rPr lang="de-CH" sz="2600" dirty="0" smtClean="0"/>
-              <a:t> Provider</a:t>
+              <a:rPr lang="de-CH" sz="2200" dirty="0" err="1"/>
+              <a:t>Artificial</a:t>
+            </a:r>
+            <a:r>
+              <a:rPr lang="de-CH" sz="2200" dirty="0"/>
+              <a:t> </a:t>
+            </a:r>
+            <a:r>
+              <a:rPr lang="de-CH" sz="2200" dirty="0" err="1"/>
+              <a:t>Neural</a:t>
+            </a:r>
+            <a:r>
+              <a:rPr lang="de-CH" sz="2200" dirty="0"/>
+              <a:t> Network</a:t>
             </a:r>
           </a:p>
           <a:p>
             <a:pPr lvl="1"/>
             <a:r>
-              <a:rPr lang="de-CH" sz="2600" dirty="0" err="1" smtClean="0"/>
-              <a:t>Surgeon</a:t>
-            </a:r>
-            <a:r>
-              <a:rPr lang="de-CH" sz="2600" dirty="0" smtClean="0"/>
-              <a:t> Teams Provider</a:t>
+              <a:rPr lang="de-CH" sz="2200" dirty="0" err="1" smtClean="0"/>
+              <a:t>Genetic</a:t>
+            </a:r>
+            <a:r>
+              <a:rPr lang="de-CH" sz="2200" dirty="0" smtClean="0"/>
+              <a:t> </a:t>
+            </a:r>
+            <a:r>
+              <a:rPr lang="de-CH" sz="2200" dirty="0" err="1"/>
+              <a:t>algorithms</a:t>
+            </a:r>
+            <a:endParaRPr lang="en-US" dirty="0" smtClean="0"/>
+          </a:p>
+          <a:p>
+            <a:r>
+              <a:rPr lang="en-US" dirty="0" smtClean="0"/>
+              <a:t>Pros</a:t>
             </a:r>
           </a:p>
           <a:p>
             <a:pPr lvl="1"/>
             <a:r>
-              <a:rPr lang="de-CH" sz="2600" dirty="0" smtClean="0"/>
-              <a:t>Postoperative Provider</a:t>
-            </a:r>
-            <a:endParaRPr lang="en-US" sz="2600" dirty="0"/>
+              <a:rPr lang="en-US" dirty="0" smtClean="0"/>
+              <a:t>Highly adaptable</a:t>
+            </a:r>
+          </a:p>
+          <a:p>
+            <a:pPr lvl="1"/>
+            <a:r>
+              <a:rPr lang="en-US" dirty="0" smtClean="0"/>
+              <a:t>Developing own behavior</a:t>
+            </a:r>
+          </a:p>
+          <a:p>
+            <a:pPr lvl="1"/>
+            <a:r>
+              <a:rPr lang="en-US" dirty="0" smtClean="0"/>
+              <a:t>Self improving</a:t>
+            </a:r>
+          </a:p>
+          <a:p>
+            <a:pPr marL="0" indent="0">
+              <a:buNone/>
+            </a:pPr>
+            <a:endParaRPr lang="en-US" dirty="0"/>
+          </a:p>
+          <a:p>
+            <a:r>
+              <a:rPr lang="en-US" dirty="0" smtClean="0"/>
+              <a:t>Cons</a:t>
+            </a:r>
+          </a:p>
+          <a:p>
+            <a:pPr lvl="1"/>
+            <a:r>
+              <a:rPr lang="en-US" dirty="0" smtClean="0"/>
+              <a:t>Ethical problems </a:t>
+            </a:r>
+            <a:r>
+              <a:rPr lang="en-US" dirty="0" smtClean="0">
+                <a:sym typeface="Wingdings"/>
+              </a:rPr>
+              <a:t> Machine decides about life!</a:t>
+            </a:r>
           </a:p>
         </p:txBody>
       </p:sp>
     </p:spTree>
     <p:extLst>
       <p:ext uri="{BB962C8B-B14F-4D97-AF65-F5344CB8AC3E}">
-        <p14:creationId xmlns:p14="http://schemas.microsoft.com/office/powerpoint/2010/main" val="591998865"/>
+        <p14:creationId xmlns:p14="http://schemas.microsoft.com/office/powerpoint/2010/main" val="2724186506"/>
       </p:ext>
     </p:extLst>
   </p:cSld>
   <p:clrMapOvr>
     <a:masterClrMapping/>
   </p:clrMapOvr>
-  <p:timing>
-    <p:tnLst>
-      <p:par>
-        <p:cTn id="1" dur="indefinite" restart="never" nodeType="tmRoot"/>
-      </p:par>
-    </p:tnLst>
-  </p:timing>
 </p:sld>
 </file>
 
@@ -4195,7 +4538,15 @@
           <a:p>
             <a:r>
               <a:rPr lang="de-CH" dirty="0" smtClean="0"/>
-              <a:t>GAIA – Patient Manager</a:t>
+              <a:t>GAIA – Subdivision </a:t>
+            </a:r>
+            <a:r>
+              <a:rPr lang="de-CH" dirty="0" err="1" smtClean="0"/>
+              <a:t>of</a:t>
+            </a:r>
+            <a:r>
+              <a:rPr lang="de-CH" dirty="0" smtClean="0"/>
+              <a:t> System</a:t>
             </a:r>
             <a:endParaRPr lang="en-US" dirty="0"/>
           </a:p>
@@ -4216,79 +4567,67 @@
           <a:bodyPr/>
           <a:lstStyle/>
           <a:p>
-            <a:endParaRPr lang="de-CH" sz="3000" dirty="0" smtClean="0"/>
-          </a:p>
-          <a:p>
-            <a:r>
-              <a:rPr lang="de-CH" sz="3000" dirty="0" err="1" smtClean="0"/>
-              <a:t>Patients</a:t>
-            </a:r>
-            <a:r>
-              <a:rPr lang="de-CH" sz="3000" dirty="0" smtClean="0"/>
-              <a:t> </a:t>
-            </a:r>
-            <a:r>
-              <a:rPr lang="de-CH" sz="3000" dirty="0" err="1" smtClean="0"/>
-              <a:t>are</a:t>
-            </a:r>
-            <a:r>
-              <a:rPr lang="de-CH" sz="3000" dirty="0" smtClean="0"/>
-              <a:t> </a:t>
-            </a:r>
-            <a:r>
-              <a:rPr lang="de-CH" sz="3000" dirty="0" err="1" smtClean="0"/>
-              <a:t>entities</a:t>
-            </a:r>
-            <a:endParaRPr lang="de-CH" sz="3000" dirty="0" smtClean="0"/>
-          </a:p>
-          <a:p>
-            <a:endParaRPr lang="de-CH" sz="3000" dirty="0" smtClean="0"/>
-          </a:p>
-          <a:p>
-            <a:r>
-              <a:rPr lang="de-CH" sz="3000" dirty="0" err="1" smtClean="0"/>
-              <a:t>Assignment</a:t>
-            </a:r>
-            <a:r>
-              <a:rPr lang="de-CH" sz="3000" dirty="0" smtClean="0"/>
-              <a:t> </a:t>
-            </a:r>
-            <a:r>
-              <a:rPr lang="de-CH" sz="3000" dirty="0" err="1" smtClean="0"/>
-              <a:t>of</a:t>
-            </a:r>
-            <a:r>
-              <a:rPr lang="de-CH" sz="3000" dirty="0" smtClean="0"/>
-              <a:t> </a:t>
-            </a:r>
-            <a:r>
-              <a:rPr lang="de-CH" sz="3000" dirty="0" err="1" smtClean="0"/>
-              <a:t>patients</a:t>
-            </a:r>
-            <a:r>
-              <a:rPr lang="de-CH" sz="3000" dirty="0" smtClean="0"/>
-              <a:t> </a:t>
-            </a:r>
-            <a:r>
-              <a:rPr lang="de-CH" sz="3000" dirty="0" err="1" smtClean="0"/>
-              <a:t>to</a:t>
-            </a:r>
-            <a:r>
-              <a:rPr lang="de-CH" sz="3000" dirty="0" smtClean="0"/>
-              <a:t> </a:t>
-            </a:r>
-            <a:r>
-              <a:rPr lang="de-CH" sz="3000" dirty="0" err="1" smtClean="0"/>
-              <a:t>departments</a:t>
-            </a:r>
-            <a:endParaRPr lang="de-CH" sz="3000" dirty="0" smtClean="0"/>
+            <a:r>
+              <a:rPr lang="de-CH" sz="3000" dirty="0" smtClean="0"/>
+              <a:t>Patient Manager</a:t>
+            </a:r>
+          </a:p>
+          <a:p>
+            <a:r>
+              <a:rPr lang="de-CH" sz="3000" dirty="0" smtClean="0"/>
+              <a:t>Patient Departments</a:t>
+            </a:r>
+          </a:p>
+          <a:p>
+            <a:r>
+              <a:rPr lang="de-CH" sz="3000" dirty="0" err="1" smtClean="0"/>
+              <a:t>Resource</a:t>
+            </a:r>
+            <a:r>
+              <a:rPr lang="de-CH" sz="3000" dirty="0" smtClean="0"/>
+              <a:t> Providers</a:t>
+            </a:r>
+          </a:p>
+          <a:p>
+            <a:pPr lvl="1"/>
+            <a:r>
+              <a:rPr lang="de-CH" sz="2600" dirty="0" smtClean="0"/>
+              <a:t>Operating </a:t>
+            </a:r>
+            <a:r>
+              <a:rPr lang="de-CH" sz="2600" dirty="0" err="1" smtClean="0"/>
+              <a:t>Room</a:t>
+            </a:r>
+            <a:r>
+              <a:rPr lang="de-CH" sz="2600" dirty="0" smtClean="0"/>
+              <a:t> Provider</a:t>
+            </a:r>
+          </a:p>
+          <a:p>
+            <a:pPr lvl="1"/>
+            <a:r>
+              <a:rPr lang="de-CH" sz="2600" dirty="0" err="1" smtClean="0"/>
+              <a:t>Surgeon</a:t>
+            </a:r>
+            <a:r>
+              <a:rPr lang="de-CH" sz="2600" dirty="0" smtClean="0"/>
+              <a:t> Teams Provider</a:t>
+            </a:r>
+          </a:p>
+          <a:p>
+            <a:pPr lvl="1"/>
+            <a:r>
+              <a:rPr lang="de-CH" sz="2600" dirty="0" smtClean="0"/>
+              <a:t>Postoperative Provider</a:t>
+            </a:r>
+            <a:endParaRPr lang="en-US" sz="2600" dirty="0"/>
           </a:p>
         </p:txBody>
       </p:sp>
     </p:spTree>
     <p:extLst>
       <p:ext uri="{BB962C8B-B14F-4D97-AF65-F5344CB8AC3E}">
-        <p14:creationId xmlns:p14="http://schemas.microsoft.com/office/powerpoint/2010/main" val="2161871501"/>
+        <p14:creationId xmlns:p14="http://schemas.microsoft.com/office/powerpoint/2010/main" val="591998865"/>
       </p:ext>
     </p:extLst>
   </p:cSld>
@@ -4298,7 +4637,7 @@
   <p:timing>
     <p:tnLst>
       <p:par>
-        <p:cTn id="1" dur="indefinite" restart="never" nodeType="tmRoot"/>
+        <p:cTn xmlns:p14="http://schemas.microsoft.com/office/powerpoint/2010/main" id="1" dur="indefinite" restart="never" nodeType="tmRoot"/>
       </p:par>
     </p:tnLst>
   </p:timing>
@@ -4334,22 +4673,12 @@
         </p:nvSpPr>
         <p:spPr/>
         <p:txBody>
-          <a:bodyPr>
-            <a:normAutofit/>
-          </a:bodyPr>
+          <a:bodyPr/>
           <a:lstStyle/>
           <a:p>
             <a:r>
               <a:rPr lang="de-CH" dirty="0" smtClean="0"/>
-              <a:t>GAIA - </a:t>
-            </a:r>
-            <a:r>
-              <a:rPr lang="de-CH" dirty="0"/>
-              <a:t>Patient </a:t>
-            </a:r>
-            <a:r>
-              <a:rPr lang="de-CH" dirty="0" smtClean="0"/>
-              <a:t>Departments</a:t>
+              <a:t>GAIA – Patient Manager</a:t>
             </a:r>
             <a:endParaRPr lang="en-US" dirty="0"/>
           </a:p>
@@ -4367,191 +4696,82 @@
         </p:nvSpPr>
         <p:spPr/>
         <p:txBody>
-          <a:bodyPr>
-            <a:normAutofit/>
-          </a:bodyPr>
-          <a:lstStyle/>
-          <a:p>
-            <a:r>
-              <a:rPr lang="de-CH" sz="3000" dirty="0" err="1" smtClean="0"/>
-              <a:t>Each</a:t>
-            </a:r>
-            <a:r>
-              <a:rPr lang="de-CH" sz="3000" dirty="0" smtClean="0"/>
-              <a:t> </a:t>
-            </a:r>
-            <a:r>
-              <a:rPr lang="de-CH" sz="3000" dirty="0" err="1" smtClean="0"/>
-              <a:t>department</a:t>
-            </a:r>
-            <a:r>
-              <a:rPr lang="de-CH" sz="3000" dirty="0" smtClean="0"/>
-              <a:t> </a:t>
-            </a:r>
-            <a:r>
-              <a:rPr lang="de-CH" sz="3000" dirty="0" err="1" smtClean="0"/>
-              <a:t>is</a:t>
-            </a:r>
-            <a:r>
-              <a:rPr lang="de-CH" sz="3000" dirty="0" smtClean="0"/>
-              <a:t> an </a:t>
-            </a:r>
-            <a:r>
-              <a:rPr lang="de-CH" sz="3000" dirty="0" err="1" smtClean="0"/>
-              <a:t>agent</a:t>
-            </a:r>
-            <a:endParaRPr lang="de-CH" sz="3000" dirty="0"/>
-          </a:p>
+          <a:bodyPr/>
+          <a:lstStyle/>
           <a:p>
             <a:endParaRPr lang="de-CH" sz="3000" dirty="0" smtClean="0"/>
           </a:p>
           <a:p>
             <a:r>
               <a:rPr lang="de-CH" sz="3000" dirty="0" err="1" smtClean="0"/>
-              <a:t>own</a:t>
-            </a:r>
-            <a:r>
-              <a:rPr lang="de-CH" sz="3000" dirty="0" smtClean="0"/>
-              <a:t> </a:t>
-            </a:r>
-            <a:r>
-              <a:rPr lang="de-CH" sz="3000" dirty="0" err="1" smtClean="0"/>
-              <a:t>goals</a:t>
+              <a:t>Patients</a:t>
+            </a:r>
+            <a:r>
+              <a:rPr lang="de-CH" sz="3000" dirty="0" smtClean="0"/>
+              <a:t> </a:t>
+            </a:r>
+            <a:r>
+              <a:rPr lang="de-CH" sz="3000" dirty="0" err="1" smtClean="0"/>
+              <a:t>are</a:t>
+            </a:r>
+            <a:r>
+              <a:rPr lang="de-CH" sz="3000" dirty="0" smtClean="0"/>
+              <a:t> </a:t>
+            </a:r>
+            <a:r>
+              <a:rPr lang="de-CH" sz="3000" dirty="0" err="1" smtClean="0"/>
+              <a:t>entities</a:t>
             </a:r>
             <a:endParaRPr lang="de-CH" sz="3000" dirty="0" smtClean="0"/>
           </a:p>
           <a:p>
-            <a:pPr lvl="1"/>
-            <a:r>
-              <a:rPr lang="de-CH" sz="2600" dirty="0" err="1" smtClean="0"/>
-              <a:t>Provide</a:t>
-            </a:r>
-            <a:r>
-              <a:rPr lang="de-CH" sz="2600" dirty="0" smtClean="0"/>
-              <a:t> </a:t>
-            </a:r>
-            <a:r>
-              <a:rPr lang="de-CH" sz="2600" dirty="0" err="1" smtClean="0"/>
-              <a:t>their</a:t>
-            </a:r>
-            <a:r>
-              <a:rPr lang="de-CH" sz="2600" dirty="0" smtClean="0"/>
-              <a:t> </a:t>
-            </a:r>
-            <a:r>
-              <a:rPr lang="de-CH" sz="2600" dirty="0" err="1" smtClean="0"/>
+            <a:endParaRPr lang="de-CH" sz="3000" dirty="0" smtClean="0"/>
+          </a:p>
+          <a:p>
+            <a:r>
+              <a:rPr lang="de-CH" sz="3000" dirty="0" err="1" smtClean="0"/>
+              <a:t>Assignment</a:t>
+            </a:r>
+            <a:r>
+              <a:rPr lang="de-CH" sz="3000" dirty="0" smtClean="0"/>
+              <a:t> </a:t>
+            </a:r>
+            <a:r>
+              <a:rPr lang="de-CH" sz="3000" dirty="0" err="1" smtClean="0"/>
+              <a:t>of</a:t>
+            </a:r>
+            <a:r>
+              <a:rPr lang="de-CH" sz="3000" dirty="0" smtClean="0"/>
+              <a:t> </a:t>
+            </a:r>
+            <a:r>
+              <a:rPr lang="de-CH" sz="3000" dirty="0" err="1" smtClean="0"/>
               <a:t>patients</a:t>
             </a:r>
             <a:r>
-              <a:rPr lang="de-CH" sz="2600" dirty="0" smtClean="0"/>
-              <a:t> </a:t>
-            </a:r>
-            <a:r>
-              <a:rPr lang="de-CH" sz="2600" dirty="0" err="1" smtClean="0"/>
-              <a:t>with</a:t>
-            </a:r>
-            <a:r>
-              <a:rPr lang="de-CH" sz="2600" dirty="0" smtClean="0"/>
-              <a:t> </a:t>
-            </a:r>
-            <a:r>
-              <a:rPr lang="de-CH" sz="2600" dirty="0" err="1" smtClean="0"/>
-              <a:t>resources</a:t>
-            </a:r>
-            <a:r>
-              <a:rPr lang="de-CH" sz="2600" dirty="0" smtClean="0"/>
-              <a:t> </a:t>
-            </a:r>
-            <a:r>
-              <a:rPr lang="de-CH" sz="2600" dirty="0" err="1" smtClean="0"/>
-              <a:t>for</a:t>
-            </a:r>
-            <a:r>
-              <a:rPr lang="de-CH" sz="2600" dirty="0" smtClean="0"/>
-              <a:t> </a:t>
-            </a:r>
-            <a:r>
-              <a:rPr lang="de-CH" sz="2600" dirty="0" err="1" smtClean="0"/>
-              <a:t>surgery</a:t>
-            </a:r>
-            <a:endParaRPr lang="en-US" sz="2600" dirty="0"/>
-          </a:p>
-          <a:p>
+              <a:rPr lang="de-CH" sz="3000" dirty="0" smtClean="0"/>
+              <a:t> </a:t>
+            </a:r>
+            <a:r>
+              <a:rPr lang="de-CH" sz="3000" dirty="0" err="1" smtClean="0"/>
+              <a:t>to</a:t>
+            </a:r>
+            <a:r>
+              <a:rPr lang="de-CH" sz="3000" dirty="0" smtClean="0"/>
+              <a:t> </a:t>
+            </a:r>
+            <a:r>
+              <a:rPr lang="de-CH" sz="3000" dirty="0" err="1" smtClean="0"/>
+              <a:t>departments</a:t>
+            </a:r>
             <a:endParaRPr lang="de-CH" sz="3000" dirty="0" smtClean="0"/>
-          </a:p>
-          <a:p>
-            <a:r>
-              <a:rPr lang="de-CH" sz="3000" dirty="0" smtClean="0"/>
-              <a:t>Are </a:t>
-            </a:r>
-            <a:r>
-              <a:rPr lang="de-CH" sz="3000" dirty="0" err="1" smtClean="0"/>
-              <a:t>willing</a:t>
-            </a:r>
-            <a:r>
-              <a:rPr lang="de-CH" sz="3000" dirty="0" smtClean="0"/>
-              <a:t> </a:t>
-            </a:r>
-            <a:r>
-              <a:rPr lang="de-CH" sz="3000" dirty="0" err="1" smtClean="0"/>
-              <a:t>to</a:t>
-            </a:r>
-            <a:r>
-              <a:rPr lang="de-CH" sz="3000" dirty="0" smtClean="0"/>
-              <a:t> </a:t>
-            </a:r>
-            <a:r>
-              <a:rPr lang="de-CH" sz="3000" dirty="0" err="1" smtClean="0"/>
-              <a:t>help</a:t>
-            </a:r>
-            <a:r>
-              <a:rPr lang="de-CH" sz="3000" dirty="0" smtClean="0"/>
-              <a:t> </a:t>
-            </a:r>
-            <a:r>
-              <a:rPr lang="de-CH" sz="3000" dirty="0" err="1" smtClean="0"/>
-              <a:t>other</a:t>
-            </a:r>
-            <a:r>
-              <a:rPr lang="de-CH" sz="3000" dirty="0" smtClean="0"/>
-              <a:t> </a:t>
-            </a:r>
-            <a:r>
-              <a:rPr lang="de-CH" sz="3000" dirty="0" err="1" smtClean="0"/>
-              <a:t>departments</a:t>
-            </a:r>
-            <a:endParaRPr lang="de-CH" sz="3000" dirty="0" smtClean="0"/>
-          </a:p>
-          <a:p>
-            <a:pPr lvl="1"/>
-            <a:r>
-              <a:rPr lang="de-CH" sz="2600" dirty="0" err="1" smtClean="0"/>
-              <a:t>Based</a:t>
-            </a:r>
-            <a:r>
-              <a:rPr lang="de-CH" sz="2600" dirty="0" smtClean="0"/>
-              <a:t> on </a:t>
-            </a:r>
-            <a:r>
-              <a:rPr lang="de-CH" sz="2600" dirty="0" err="1" smtClean="0"/>
-              <a:t>organizational</a:t>
-            </a:r>
-            <a:r>
-              <a:rPr lang="de-CH" sz="2600" dirty="0" smtClean="0"/>
-              <a:t> </a:t>
-            </a:r>
-            <a:r>
-              <a:rPr lang="de-CH" sz="2600" dirty="0" err="1" smtClean="0"/>
-              <a:t>rules</a:t>
-            </a:r>
-            <a:endParaRPr lang="de-CH" sz="2600" dirty="0" smtClean="0"/>
           </a:p>
         </p:txBody>
       </p:sp>
     </p:spTree>
     <p:extLst>
       <p:ext uri="{BB962C8B-B14F-4D97-AF65-F5344CB8AC3E}">
-        <p14:creationId xmlns:p14="http://schemas.microsoft.com/office/powerpoint/2010/main" val="2577578038"/>
+        <p14:creationId xmlns:p14="http://schemas.microsoft.com/office/powerpoint/2010/main" val="2161871501"/>
       </p:ext>
     </p:extLst>
   </p:cSld>
@@ -4561,7 +4781,7 @@
   <p:timing>
     <p:tnLst>
       <p:par>
-        <p:cTn id="1" dur="indefinite" restart="never" nodeType="tmRoot"/>
+        <p:cTn xmlns:p14="http://schemas.microsoft.com/office/powerpoint/2010/main" id="1" dur="indefinite" restart="never" nodeType="tmRoot"/>
       </p:par>
     </p:tnLst>
   </p:timing>
@@ -4597,177 +4817,224 @@
         </p:nvSpPr>
         <p:spPr/>
         <p:txBody>
-          <a:bodyPr/>
-          <a:lstStyle/>
-          <a:p>
-            <a:r>
-              <a:rPr lang="de-CH" dirty="0" smtClean="0"/>
-              <a:t>GAIA – </a:t>
-            </a:r>
-            <a:r>
-              <a:rPr lang="de-CH" dirty="0" err="1" smtClean="0"/>
-              <a:t>Resource</a:t>
-            </a:r>
-            <a:r>
-              <a:rPr lang="de-CH" dirty="0" smtClean="0"/>
-              <a:t> Providers</a:t>
-            </a:r>
-            <a:endParaRPr lang="en-US" dirty="0"/>
-          </a:p>
-        </p:txBody>
-      </p:sp>
-      <p:sp>
-        <p:nvSpPr>
-          <p:cNvPr id="3" name="Inhaltsplatzhalter 2"/>
-          <p:cNvSpPr>
-            <a:spLocks noGrp="1"/>
-          </p:cNvSpPr>
-          <p:nvPr>
-            <p:ph idx="1"/>
-          </p:nvPr>
-        </p:nvSpPr>
-        <p:spPr/>
-        <p:txBody>
           <a:bodyPr>
             <a:normAutofit/>
           </a:bodyPr>
           <a:lstStyle/>
           <a:p>
             <a:r>
-              <a:rPr lang="de-CH" sz="3000" dirty="0" err="1" smtClean="0"/>
+              <a:rPr lang="de-CH" dirty="0" smtClean="0"/>
+              <a:t>GAIA - </a:t>
+            </a:r>
+            <a:r>
+              <a:rPr lang="de-CH" dirty="0"/>
+              <a:t>Patient </a:t>
+            </a:r>
+            <a:r>
+              <a:rPr lang="de-CH" dirty="0" smtClean="0"/>
+              <a:t>Departments</a:t>
+            </a:r>
+            <a:endParaRPr lang="en-US" dirty="0"/>
+          </a:p>
+        </p:txBody>
+      </p:sp>
+      <p:sp>
+        <p:nvSpPr>
+          <p:cNvPr id="3" name="Inhaltsplatzhalter 2"/>
+          <p:cNvSpPr>
+            <a:spLocks noGrp="1"/>
+          </p:cNvSpPr>
+          <p:nvPr>
+            <p:ph idx="1"/>
+          </p:nvPr>
+        </p:nvSpPr>
+        <p:spPr/>
+        <p:txBody>
+          <a:bodyPr>
+            <a:normAutofit/>
+          </a:bodyPr>
+          <a:lstStyle/>
+          <a:p>
+            <a:r>
+              <a:rPr lang="de-CH" sz="3000" dirty="0" err="1" smtClean="0"/>
+              <a:t>Each</a:t>
+            </a:r>
+            <a:r>
+              <a:rPr lang="de-CH" sz="3000" dirty="0" smtClean="0"/>
+              <a:t> </a:t>
+            </a:r>
+            <a:r>
+              <a:rPr lang="de-CH" sz="3000" dirty="0" err="1" smtClean="0"/>
+              <a:t>department</a:t>
+            </a:r>
+            <a:r>
+              <a:rPr lang="de-CH" sz="3000" dirty="0" smtClean="0"/>
+              <a:t> </a:t>
+            </a:r>
+            <a:r>
+              <a:rPr lang="de-CH" sz="3000" dirty="0" err="1" smtClean="0"/>
+              <a:t>is</a:t>
+            </a:r>
+            <a:r>
+              <a:rPr lang="de-CH" sz="3000" dirty="0" smtClean="0"/>
+              <a:t> an </a:t>
+            </a:r>
+            <a:r>
+              <a:rPr lang="de-CH" sz="3000" dirty="0" err="1" smtClean="0"/>
+              <a:t>agent</a:t>
+            </a:r>
+            <a:endParaRPr lang="de-CH" sz="3000" dirty="0"/>
+          </a:p>
+          <a:p>
+            <a:endParaRPr lang="de-CH" sz="3000" dirty="0" smtClean="0"/>
+          </a:p>
+          <a:p>
+            <a:r>
+              <a:rPr lang="de-CH" sz="3000" dirty="0" err="1" smtClean="0"/>
+              <a:t>own</a:t>
+            </a:r>
+            <a:r>
+              <a:rPr lang="de-CH" sz="3000" dirty="0" smtClean="0"/>
+              <a:t> </a:t>
+            </a:r>
+            <a:r>
+              <a:rPr lang="de-CH" sz="3000" dirty="0" err="1" smtClean="0"/>
+              <a:t>goals</a:t>
+            </a:r>
+            <a:endParaRPr lang="de-CH" sz="3000" dirty="0" smtClean="0"/>
+          </a:p>
+          <a:p>
+            <a:pPr lvl="1"/>
+            <a:r>
+              <a:rPr lang="de-CH" sz="2600" dirty="0" err="1" smtClean="0"/>
               <a:t>Provide</a:t>
             </a:r>
             <a:r>
-              <a:rPr lang="de-CH" sz="3000" dirty="0" smtClean="0"/>
-              <a:t> </a:t>
-            </a:r>
-            <a:r>
-              <a:rPr lang="de-CH" sz="3000" dirty="0" err="1" smtClean="0"/>
-              <a:t>the</a:t>
-            </a:r>
-            <a:r>
-              <a:rPr lang="de-CH" sz="3000" dirty="0"/>
-              <a:t> </a:t>
-            </a:r>
-            <a:r>
-              <a:rPr lang="de-CH" sz="3000" dirty="0" err="1" smtClean="0"/>
-              <a:t>departemnts</a:t>
-            </a:r>
-            <a:r>
-              <a:rPr lang="de-CH" sz="3000" dirty="0" smtClean="0"/>
-              <a:t> </a:t>
-            </a:r>
-            <a:r>
-              <a:rPr lang="de-CH" sz="3000" dirty="0" err="1" smtClean="0"/>
+              <a:rPr lang="de-CH" sz="2600" dirty="0" smtClean="0"/>
+              <a:t> </a:t>
+            </a:r>
+            <a:r>
+              <a:rPr lang="de-CH" sz="2600" dirty="0" err="1" smtClean="0"/>
+              <a:t>their</a:t>
+            </a:r>
+            <a:r>
+              <a:rPr lang="de-CH" sz="2600" dirty="0" smtClean="0"/>
+              <a:t> </a:t>
+            </a:r>
+            <a:r>
+              <a:rPr lang="de-CH" sz="2600" dirty="0" err="1" smtClean="0"/>
+              <a:t>patients</a:t>
+            </a:r>
+            <a:r>
+              <a:rPr lang="de-CH" sz="2600" dirty="0" smtClean="0"/>
+              <a:t> </a:t>
+            </a:r>
+            <a:r>
+              <a:rPr lang="de-CH" sz="2600" dirty="0" err="1" smtClean="0"/>
               <a:t>with</a:t>
             </a:r>
             <a:r>
-              <a:rPr lang="de-CH" sz="3000" dirty="0" smtClean="0"/>
-              <a:t> </a:t>
-            </a:r>
-            <a:r>
-              <a:rPr lang="de-CH" sz="3000" dirty="0" err="1" smtClean="0"/>
+              <a:rPr lang="de-CH" sz="2600" dirty="0" smtClean="0"/>
+              <a:t> </a:t>
+            </a:r>
+            <a:r>
+              <a:rPr lang="de-CH" sz="2600" dirty="0" err="1" smtClean="0"/>
               <a:t>resources</a:t>
             </a:r>
+            <a:r>
+              <a:rPr lang="de-CH" sz="2600" dirty="0" smtClean="0"/>
+              <a:t> </a:t>
+            </a:r>
+            <a:r>
+              <a:rPr lang="de-CH" sz="2600" dirty="0" err="1" smtClean="0"/>
+              <a:t>for</a:t>
+            </a:r>
+            <a:r>
+              <a:rPr lang="de-CH" sz="2600" dirty="0" smtClean="0"/>
+              <a:t> </a:t>
+            </a:r>
+            <a:r>
+              <a:rPr lang="de-CH" sz="2600" dirty="0" err="1" smtClean="0"/>
+              <a:t>surgery</a:t>
+            </a:r>
+            <a:endParaRPr lang="en-US" sz="2600" dirty="0"/>
+          </a:p>
+          <a:p>
             <a:endParaRPr lang="de-CH" sz="3000" dirty="0" smtClean="0"/>
           </a:p>
           <a:p>
+            <a:r>
+              <a:rPr lang="de-CH" sz="3000" dirty="0" smtClean="0"/>
+              <a:t>Are </a:t>
+            </a:r>
+            <a:r>
+              <a:rPr lang="de-CH" sz="3000" dirty="0" err="1" smtClean="0"/>
+              <a:t>willing</a:t>
+            </a:r>
+            <a:r>
+              <a:rPr lang="de-CH" sz="3000" dirty="0" smtClean="0"/>
+              <a:t> </a:t>
+            </a:r>
+            <a:r>
+              <a:rPr lang="de-CH" sz="3000" dirty="0" err="1" smtClean="0"/>
+              <a:t>to</a:t>
+            </a:r>
+            <a:r>
+              <a:rPr lang="de-CH" sz="3000" dirty="0" smtClean="0"/>
+              <a:t> </a:t>
+            </a:r>
+            <a:r>
+              <a:rPr lang="de-CH" sz="3000" dirty="0" err="1" smtClean="0"/>
+              <a:t>help</a:t>
+            </a:r>
+            <a:r>
+              <a:rPr lang="de-CH" sz="3000" dirty="0" smtClean="0"/>
+              <a:t> </a:t>
+            </a:r>
+            <a:r>
+              <a:rPr lang="de-CH" sz="3000" dirty="0" err="1" smtClean="0"/>
+              <a:t>other</a:t>
+            </a:r>
+            <a:r>
+              <a:rPr lang="de-CH" sz="3000" dirty="0" smtClean="0"/>
+              <a:t> </a:t>
+            </a:r>
+            <a:r>
+              <a:rPr lang="de-CH" sz="3000" dirty="0" err="1" smtClean="0"/>
+              <a:t>departments</a:t>
+            </a:r>
             <a:endParaRPr lang="de-CH" sz="3000" dirty="0" smtClean="0"/>
           </a:p>
           <a:p>
-            <a:r>
-              <a:rPr lang="de-CH" sz="3000" dirty="0" err="1" smtClean="0"/>
-              <a:t>Auctions</a:t>
-            </a:r>
-            <a:r>
-              <a:rPr lang="de-CH" sz="3000" dirty="0" smtClean="0"/>
-              <a:t> </a:t>
-            </a:r>
-            <a:r>
-              <a:rPr lang="de-CH" sz="3000" dirty="0" err="1" smtClean="0"/>
-              <a:t>for</a:t>
-            </a:r>
-            <a:r>
-              <a:rPr lang="de-CH" sz="3000" dirty="0" smtClean="0"/>
-              <a:t> </a:t>
-            </a:r>
-            <a:r>
-              <a:rPr lang="de-CH" sz="3000" dirty="0" err="1" smtClean="0"/>
-              <a:t>every</a:t>
-            </a:r>
-            <a:r>
-              <a:rPr lang="de-CH" sz="3000" dirty="0" smtClean="0"/>
-              <a:t> type </a:t>
-            </a:r>
-            <a:r>
-              <a:rPr lang="de-CH" sz="3000" dirty="0" err="1" smtClean="0"/>
-              <a:t>of</a:t>
-            </a:r>
-            <a:r>
-              <a:rPr lang="de-CH" sz="3000" dirty="0" smtClean="0"/>
-              <a:t> </a:t>
-            </a:r>
-            <a:r>
-              <a:rPr lang="de-CH" sz="3000" dirty="0" err="1" smtClean="0"/>
-              <a:t>resource</a:t>
-            </a:r>
-            <a:endParaRPr lang="de-CH" sz="3000" dirty="0" smtClean="0"/>
-          </a:p>
-          <a:p>
-            <a:endParaRPr lang="de-CH" sz="3000" dirty="0" smtClean="0"/>
-          </a:p>
-          <a:p>
-            <a:r>
-              <a:rPr lang="de-CH" sz="3000" dirty="0" smtClean="0"/>
-              <a:t>Keep </a:t>
-            </a:r>
-            <a:r>
-              <a:rPr lang="de-CH" sz="3000" dirty="0" err="1" smtClean="0"/>
-              <a:t>track</a:t>
-            </a:r>
-            <a:r>
-              <a:rPr lang="de-CH" sz="3000" dirty="0" smtClean="0"/>
-              <a:t> </a:t>
-            </a:r>
-            <a:r>
-              <a:rPr lang="de-CH" sz="3000" dirty="0" err="1" smtClean="0"/>
-              <a:t>of</a:t>
-            </a:r>
-            <a:r>
-              <a:rPr lang="de-CH" sz="3000" dirty="0" smtClean="0"/>
-              <a:t> </a:t>
-            </a:r>
-            <a:r>
-              <a:rPr lang="de-CH" sz="3000" dirty="0" err="1" smtClean="0"/>
-              <a:t>available</a:t>
-            </a:r>
-            <a:r>
-              <a:rPr lang="de-CH" sz="3000" dirty="0" smtClean="0"/>
-              <a:t>/</a:t>
-            </a:r>
-            <a:r>
-              <a:rPr lang="de-CH" sz="3000" dirty="0" err="1" smtClean="0"/>
-              <a:t>booked</a:t>
-            </a:r>
-            <a:r>
-              <a:rPr lang="de-CH" sz="3000" dirty="0" smtClean="0"/>
-              <a:t> </a:t>
-            </a:r>
-            <a:r>
-              <a:rPr lang="de-CH" sz="3000" dirty="0" err="1" smtClean="0"/>
-              <a:t>resources</a:t>
-            </a:r>
-            <a:endParaRPr lang="de-CH" sz="2600" dirty="0"/>
-          </a:p>
-          <a:p>
-            <a:endParaRPr lang="en-US" sz="2600" dirty="0" smtClean="0"/>
+            <a:pPr lvl="1"/>
+            <a:r>
+              <a:rPr lang="de-CH" sz="2600" dirty="0" err="1" smtClean="0"/>
+              <a:t>Based</a:t>
+            </a:r>
+            <a:r>
+              <a:rPr lang="de-CH" sz="2600" dirty="0" smtClean="0"/>
+              <a:t> on </a:t>
+            </a:r>
+            <a:r>
+              <a:rPr lang="de-CH" sz="2600" dirty="0" err="1" smtClean="0"/>
+              <a:t>organizational</a:t>
+            </a:r>
+            <a:r>
+              <a:rPr lang="de-CH" sz="2600" dirty="0" smtClean="0"/>
+              <a:t> </a:t>
+            </a:r>
+            <a:r>
+              <a:rPr lang="de-CH" sz="2600" dirty="0" err="1" smtClean="0"/>
+              <a:t>rules</a:t>
+            </a:r>
+            <a:endParaRPr lang="de-CH" sz="2600" dirty="0" smtClean="0"/>
           </a:p>
         </p:txBody>
       </p:sp>
     </p:spTree>
     <p:extLst>
       <p:ext uri="{BB962C8B-B14F-4D97-AF65-F5344CB8AC3E}">
-        <p14:creationId xmlns:p14="http://schemas.microsoft.com/office/powerpoint/2010/main" val="3622235366"/>
+        <p14:creationId xmlns:p14="http://schemas.microsoft.com/office/powerpoint/2010/main" val="2577578038"/>
       </p:ext>
     </p:extLst>
   </p:cSld>
@@ -4777,7 +5044,7 @@
   <p:timing>
     <p:tnLst>
       <p:par>
-        <p:cTn id="1" dur="indefinite" restart="never" nodeType="tmRoot"/>
+        <p:cTn xmlns:p14="http://schemas.microsoft.com/office/powerpoint/2010/main" id="1" dur="indefinite" restart="never" nodeType="tmRoot"/>
       </p:par>
     </p:tnLst>
   </p:timing>
@@ -4822,11 +5089,11 @@
             </a:r>
             <a:r>
               <a:rPr lang="de-CH" dirty="0" err="1" smtClean="0"/>
-              <a:t>Organizational</a:t>
+              <a:t>Resource</a:t>
             </a:r>
             <a:r>
               <a:rPr lang="de-CH" dirty="0" smtClean="0"/>
-              <a:t> Rules</a:t>
+              <a:t> Providers</a:t>
             </a:r>
             <a:endParaRPr lang="en-US" dirty="0"/>
           </a:p>
@@ -4842,12 +5109,7 @@
             <p:ph idx="1"/>
           </p:nvPr>
         </p:nvSpPr>
-        <p:spPr>
-          <a:xfrm>
-            <a:off x="457200" y="1600200"/>
-            <a:ext cx="8507288" cy="4876800"/>
-          </a:xfrm>
-        </p:spPr>
+        <p:spPr/>
         <p:txBody>
           <a:bodyPr>
             <a:normAutofit/>
@@ -4856,7 +5118,15 @@
           <a:p>
             <a:r>
               <a:rPr lang="de-CH" sz="3000" dirty="0" err="1" smtClean="0"/>
-              <a:t>Patients</a:t>
+              <a:t>Provide</a:t>
+            </a:r>
+            <a:r>
+              <a:rPr lang="de-CH" sz="3000" dirty="0" smtClean="0"/>
+              <a:t> </a:t>
+            </a:r>
+            <a:r>
+              <a:rPr lang="de-CH" sz="3000" dirty="0" err="1" smtClean="0"/>
+              <a:t>the</a:t>
             </a:r>
             <a:r>
               <a:rPr lang="de-CH" sz="3000" dirty="0"/>
@@ -4864,189 +5134,79 @@
             </a:r>
             <a:r>
               <a:rPr lang="de-CH" sz="3000" dirty="0" err="1" smtClean="0"/>
-              <a:t>have</a:t>
-            </a:r>
-            <a:r>
-              <a:rPr lang="de-CH" sz="3000" dirty="0" smtClean="0"/>
-              <a:t> </a:t>
-            </a:r>
-            <a:r>
-              <a:rPr lang="de-CH" sz="3000" dirty="0" err="1" smtClean="0"/>
-              <a:t>to</a:t>
-            </a:r>
-            <a:r>
-              <a:rPr lang="de-CH" sz="3000" dirty="0"/>
-              <a:t> </a:t>
-            </a:r>
-            <a:r>
-              <a:rPr lang="de-CH" sz="3000" dirty="0" err="1" smtClean="0"/>
-              <a:t>fullfil</a:t>
-            </a:r>
-            <a:r>
-              <a:rPr lang="de-CH" sz="3000" dirty="0" smtClean="0"/>
-              <a:t> </a:t>
-            </a:r>
-            <a:r>
-              <a:rPr lang="de-CH" sz="3000" dirty="0" err="1" smtClean="0"/>
-              <a:t>certain</a:t>
-            </a:r>
-            <a:r>
-              <a:rPr lang="de-CH" sz="3000" dirty="0" smtClean="0"/>
-              <a:t> </a:t>
-            </a:r>
-            <a:r>
-              <a:rPr lang="de-CH" sz="3000" dirty="0" err="1" smtClean="0"/>
-              <a:t>preconditions</a:t>
-            </a:r>
-            <a:r>
-              <a:rPr lang="de-CH" sz="3000" dirty="0" smtClean="0"/>
-              <a:t> (</a:t>
-            </a:r>
-            <a:r>
-              <a:rPr lang="de-CH" sz="3000" dirty="0" err="1" smtClean="0"/>
-              <a:t>unless</a:t>
-            </a:r>
-            <a:r>
-              <a:rPr lang="de-CH" sz="3000" dirty="0" smtClean="0"/>
-              <a:t> </a:t>
-            </a:r>
-            <a:r>
-              <a:rPr lang="de-CH" sz="3000" dirty="0" err="1" smtClean="0"/>
-              <a:t>emergency</a:t>
-            </a:r>
-            <a:r>
-              <a:rPr lang="de-CH" sz="3000" dirty="0" smtClean="0"/>
-              <a:t> </a:t>
-            </a:r>
-            <a:r>
-              <a:rPr lang="de-CH" sz="3000" dirty="0" err="1" smtClean="0"/>
-              <a:t>case</a:t>
-            </a:r>
-            <a:r>
-              <a:rPr lang="de-CH" sz="3000" dirty="0" smtClean="0"/>
-              <a:t>)</a:t>
-            </a:r>
-            <a:endParaRPr lang="de-CH" sz="3000" dirty="0"/>
-          </a:p>
-          <a:p>
+              <a:t>departemnts</a:t>
+            </a:r>
+            <a:r>
+              <a:rPr lang="de-CH" sz="3000" dirty="0" smtClean="0"/>
+              <a:t> </a:t>
+            </a:r>
+            <a:r>
+              <a:rPr lang="de-CH" sz="3000" dirty="0" err="1" smtClean="0"/>
+              <a:t>with</a:t>
+            </a:r>
+            <a:r>
+              <a:rPr lang="de-CH" sz="3000" dirty="0" smtClean="0"/>
+              <a:t> </a:t>
+            </a:r>
+            <a:r>
+              <a:rPr lang="de-CH" sz="3000" dirty="0" err="1" smtClean="0"/>
+              <a:t>resources</a:t>
+            </a:r>
             <a:endParaRPr lang="de-CH" sz="3000" dirty="0" smtClean="0"/>
           </a:p>
           <a:p>
-            <a:r>
-              <a:rPr lang="de-CH" sz="3000" dirty="0" smtClean="0"/>
-              <a:t>Emergency </a:t>
-            </a:r>
-            <a:r>
-              <a:rPr lang="de-CH" sz="3000" dirty="0" err="1" smtClean="0"/>
-              <a:t>cases</a:t>
-            </a:r>
-            <a:r>
-              <a:rPr lang="de-CH" sz="3000" dirty="0" smtClean="0"/>
-              <a:t> </a:t>
-            </a:r>
-            <a:r>
-              <a:rPr lang="de-CH" sz="3000" dirty="0" err="1" smtClean="0"/>
-              <a:t>always</a:t>
-            </a:r>
-            <a:r>
-              <a:rPr lang="de-CH" sz="3000" dirty="0" smtClean="0"/>
-              <a:t> </a:t>
-            </a:r>
-            <a:r>
-              <a:rPr lang="de-CH" sz="3000" dirty="0" err="1"/>
-              <a:t>have</a:t>
-            </a:r>
-            <a:r>
-              <a:rPr lang="de-CH" sz="3000" dirty="0" smtClean="0"/>
-              <a:t> a </a:t>
-            </a:r>
-            <a:r>
-              <a:rPr lang="de-CH" sz="3000" dirty="0" err="1" smtClean="0"/>
-              <a:t>higher</a:t>
-            </a:r>
-            <a:r>
-              <a:rPr lang="de-CH" sz="3000" dirty="0" smtClean="0"/>
-              <a:t> </a:t>
-            </a:r>
-            <a:r>
-              <a:rPr lang="en-US" sz="3200" dirty="0" smtClean="0"/>
-              <a:t>priority</a:t>
-            </a:r>
-            <a:endParaRPr lang="de-CH" sz="3000" dirty="0"/>
-          </a:p>
-          <a:p>
             <a:endParaRPr lang="de-CH" sz="3000" dirty="0" smtClean="0"/>
           </a:p>
           <a:p>
             <a:r>
-              <a:rPr lang="de-CH" sz="3000" dirty="0" smtClean="0"/>
-              <a:t>Care Package </a:t>
-            </a:r>
-            <a:r>
-              <a:rPr lang="de-CH" sz="3000" dirty="0" err="1" smtClean="0"/>
-              <a:t>definition</a:t>
+              <a:rPr lang="de-CH" sz="3000" dirty="0" err="1" smtClean="0"/>
+              <a:t>Auctions</a:t>
+            </a:r>
+            <a:r>
+              <a:rPr lang="de-CH" sz="3000" dirty="0" smtClean="0"/>
+              <a:t> </a:t>
+            </a:r>
+            <a:r>
+              <a:rPr lang="de-CH" sz="3000" dirty="0" err="1" smtClean="0"/>
+              <a:t>for</a:t>
+            </a:r>
+            <a:r>
+              <a:rPr lang="de-CH" sz="3000" dirty="0" smtClean="0"/>
+              <a:t> </a:t>
+            </a:r>
+            <a:r>
+              <a:rPr lang="de-CH" sz="3000" dirty="0" err="1" smtClean="0"/>
+              <a:t>every</a:t>
+            </a:r>
+            <a:r>
+              <a:rPr lang="de-CH" sz="3000" dirty="0" smtClean="0"/>
+              <a:t> type </a:t>
+            </a:r>
+            <a:r>
+              <a:rPr lang="de-CH" sz="3000" dirty="0" err="1" smtClean="0"/>
+              <a:t>of</a:t>
+            </a:r>
+            <a:r>
+              <a:rPr lang="de-CH" sz="3000" dirty="0" smtClean="0"/>
+              <a:t> </a:t>
+            </a:r>
+            <a:r>
+              <a:rPr lang="de-CH" sz="3000" dirty="0" err="1" smtClean="0"/>
+              <a:t>resource</a:t>
             </a:r>
             <a:endParaRPr lang="de-CH" sz="3000" dirty="0" smtClean="0"/>
           </a:p>
           <a:p>
-            <a:endParaRPr lang="de-CH" sz="3000" dirty="0"/>
-          </a:p>
-          <a:p>
-            <a:r>
-              <a:rPr lang="de-CH" sz="3000" dirty="0" smtClean="0"/>
-              <a:t>Departments </a:t>
-            </a:r>
-            <a:r>
-              <a:rPr lang="de-CH" sz="3000" dirty="0" err="1" smtClean="0"/>
-              <a:t>have</a:t>
-            </a:r>
-            <a:r>
-              <a:rPr lang="de-CH" sz="3000" dirty="0" smtClean="0"/>
-              <a:t> </a:t>
-            </a:r>
-            <a:r>
-              <a:rPr lang="de-CH" sz="3000" dirty="0" err="1" smtClean="0"/>
-              <a:t>to</a:t>
-            </a:r>
-            <a:r>
-              <a:rPr lang="de-CH" sz="3000" dirty="0" smtClean="0"/>
-              <a:t> </a:t>
-            </a:r>
-            <a:r>
-              <a:rPr lang="de-CH" sz="3000" dirty="0" err="1" smtClean="0"/>
-              <a:t>answer</a:t>
-            </a:r>
-            <a:r>
-              <a:rPr lang="de-CH" sz="3000" dirty="0" smtClean="0"/>
-              <a:t> </a:t>
-            </a:r>
-            <a:r>
-              <a:rPr lang="de-CH" sz="3000" dirty="0" err="1" smtClean="0"/>
-              <a:t>proposal</a:t>
-            </a:r>
-            <a:r>
-              <a:rPr lang="de-CH" sz="3000" dirty="0" smtClean="0"/>
-              <a:t> </a:t>
-            </a:r>
-            <a:r>
-              <a:rPr lang="de-CH" sz="3000" dirty="0" err="1" smtClean="0"/>
-              <a:t>calls</a:t>
-            </a:r>
-            <a:r>
-              <a:rPr lang="de-CH" sz="3000" dirty="0" smtClean="0"/>
-              <a:t> </a:t>
-            </a:r>
-            <a:r>
-              <a:rPr lang="de-CH" sz="3000" dirty="0" err="1" smtClean="0"/>
-              <a:t>for</a:t>
-            </a:r>
-            <a:r>
-              <a:rPr lang="de-CH" sz="3000" dirty="0"/>
-              <a:t> </a:t>
-            </a:r>
-            <a:r>
-              <a:rPr lang="de-CH" sz="3000" dirty="0" err="1" smtClean="0"/>
-              <a:t>tasks</a:t>
+            <a:endParaRPr lang="de-CH" sz="3000" dirty="0" smtClean="0"/>
+          </a:p>
+          <a:p>
+            <a:r>
+              <a:rPr lang="de-CH" sz="3000" dirty="0" smtClean="0"/>
+              <a:t>Keep </a:t>
+            </a:r>
+            <a:r>
+              <a:rPr lang="de-CH" sz="3000" dirty="0" err="1" smtClean="0"/>
+              <a:t>track</a:t>
             </a:r>
             <a:r>
               <a:rPr lang="de-CH" sz="3000" dirty="0" smtClean="0"/>
@@ -5062,40 +5222,35 @@
             </a:r>
             <a:r>
               <a:rPr lang="de-CH" sz="3000" dirty="0" err="1" smtClean="0"/>
-              <a:t>patients</a:t>
-            </a:r>
-            <a:r>
-              <a:rPr lang="de-CH" sz="3000" dirty="0" smtClean="0"/>
-              <a:t> </a:t>
-            </a:r>
-            <a:r>
-              <a:rPr lang="de-CH" sz="3000" dirty="0" err="1" smtClean="0"/>
-              <a:t>with</a:t>
-            </a:r>
-            <a:r>
-              <a:rPr lang="de-CH" sz="3000" dirty="0" smtClean="0"/>
-              <a:t> a </a:t>
-            </a:r>
-            <a:r>
-              <a:rPr lang="de-CH" sz="3000" dirty="0" err="1" smtClean="0"/>
-              <a:t>higher</a:t>
-            </a:r>
-            <a:r>
-              <a:rPr lang="de-CH" sz="3000" dirty="0" smtClean="0"/>
-              <a:t> </a:t>
-            </a:r>
-            <a:r>
-              <a:rPr lang="de-CH" sz="3000" dirty="0" err="1" smtClean="0"/>
-              <a:t>priority</a:t>
-            </a:r>
-            <a:endParaRPr lang="en-US" sz="3000" dirty="0" smtClean="0"/>
+              <a:t>available</a:t>
+            </a:r>
+            <a:r>
+              <a:rPr lang="de-CH" sz="3000" dirty="0" smtClean="0"/>
+              <a:t>/</a:t>
+            </a:r>
+            <a:r>
+              <a:rPr lang="de-CH" sz="3000" dirty="0" err="1" smtClean="0"/>
+              <a:t>booked</a:t>
+            </a:r>
+            <a:r>
+              <a:rPr lang="de-CH" sz="3000" dirty="0" smtClean="0"/>
+              <a:t> </a:t>
+            </a:r>
+            <a:r>
+              <a:rPr lang="de-CH" sz="3000" dirty="0" err="1" smtClean="0"/>
+              <a:t>resources</a:t>
+            </a:r>
+            <a:endParaRPr lang="de-CH" sz="2600" dirty="0"/>
+          </a:p>
+          <a:p>
+            <a:endParaRPr lang="en-US" sz="2600" dirty="0" smtClean="0"/>
           </a:p>
         </p:txBody>
       </p:sp>
     </p:spTree>
     <p:extLst>
       <p:ext uri="{BB962C8B-B14F-4D97-AF65-F5344CB8AC3E}">
-        <p14:creationId xmlns:p14="http://schemas.microsoft.com/office/powerpoint/2010/main" val="2881154084"/>
+        <p14:creationId xmlns:p14="http://schemas.microsoft.com/office/powerpoint/2010/main" val="3622235366"/>
       </p:ext>
     </p:extLst>
   </p:cSld>
@@ -5105,7 +5260,7 @@
   <p:timing>
     <p:tnLst>
       <p:par>
-        <p:cTn id="1" dur="indefinite" restart="never" nodeType="tmRoot"/>
+        <p:cTn xmlns:p14="http://schemas.microsoft.com/office/powerpoint/2010/main" id="1" dur="indefinite" restart="never" nodeType="tmRoot"/>
       </p:par>
     </p:tnLst>
   </p:timing>
@@ -5146,7 +5301,15 @@
           <a:p>
             <a:r>
               <a:rPr lang="de-CH" dirty="0" smtClean="0"/>
-              <a:t>Interaction</a:t>
+              <a:t>GAIA – </a:t>
+            </a:r>
+            <a:r>
+              <a:rPr lang="de-CH" dirty="0" err="1" smtClean="0"/>
+              <a:t>Organizational</a:t>
+            </a:r>
+            <a:r>
+              <a:rPr lang="de-CH" dirty="0" smtClean="0"/>
+              <a:t> Rules</a:t>
             </a:r>
             <a:endParaRPr lang="en-US" dirty="0"/>
           </a:p>
@@ -5162,7 +5325,12 @@
             <p:ph idx="1"/>
           </p:nvPr>
         </p:nvSpPr>
-        <p:spPr/>
+        <p:spPr>
+          <a:xfrm>
+            <a:off x="457200" y="1600200"/>
+            <a:ext cx="8507288" cy="4876800"/>
+          </a:xfrm>
+        </p:spPr>
         <p:txBody>
           <a:bodyPr>
             <a:normAutofit/>
@@ -5171,145 +5339,238 @@
           <a:p>
             <a:r>
               <a:rPr lang="de-CH" sz="3000" dirty="0" err="1" smtClean="0"/>
-              <a:t>Auctions</a:t>
+              <a:t>Patients</a:t>
+            </a:r>
+            <a:r>
+              <a:rPr lang="de-CH" sz="3000" dirty="0"/>
+              <a:t> </a:t>
+            </a:r>
+            <a:r>
+              <a:rPr lang="de-CH" sz="3000" dirty="0" err="1" smtClean="0"/>
+              <a:t>have</a:t>
+            </a:r>
+            <a:r>
+              <a:rPr lang="de-CH" sz="3000" dirty="0" smtClean="0"/>
+              <a:t> </a:t>
+            </a:r>
+            <a:r>
+              <a:rPr lang="de-CH" sz="3000" dirty="0" err="1" smtClean="0"/>
+              <a:t>to</a:t>
+            </a:r>
+            <a:r>
+              <a:rPr lang="de-CH" sz="3000" dirty="0"/>
+              <a:t> </a:t>
+            </a:r>
+            <a:r>
+              <a:rPr lang="de-CH" sz="3000" dirty="0" err="1" smtClean="0"/>
+              <a:t>fullfil</a:t>
+            </a:r>
+            <a:r>
+              <a:rPr lang="de-CH" sz="3000" dirty="0" smtClean="0"/>
+              <a:t> </a:t>
+            </a:r>
+            <a:r>
+              <a:rPr lang="de-CH" sz="3000" dirty="0" err="1" smtClean="0"/>
+              <a:t>certain</a:t>
+            </a:r>
+            <a:r>
+              <a:rPr lang="de-CH" sz="3000" dirty="0" smtClean="0"/>
+              <a:t> </a:t>
+            </a:r>
+            <a:r>
+              <a:rPr lang="de-CH" sz="3000" dirty="0" err="1" smtClean="0"/>
+              <a:t>preconditions</a:t>
+            </a:r>
+            <a:r>
+              <a:rPr lang="de-CH" sz="3000" dirty="0" smtClean="0"/>
+              <a:t> (</a:t>
+            </a:r>
+            <a:r>
+              <a:rPr lang="de-CH" sz="3000" dirty="0" err="1" smtClean="0"/>
+              <a:t>unless</a:t>
+            </a:r>
+            <a:r>
+              <a:rPr lang="de-CH" sz="3000" dirty="0" smtClean="0"/>
+              <a:t> </a:t>
+            </a:r>
+            <a:r>
+              <a:rPr lang="de-CH" sz="3000" dirty="0" err="1" smtClean="0"/>
+              <a:t>emergency</a:t>
+            </a:r>
+            <a:r>
+              <a:rPr lang="de-CH" sz="3000" dirty="0" smtClean="0"/>
+              <a:t> </a:t>
+            </a:r>
+            <a:r>
+              <a:rPr lang="de-CH" sz="3000" dirty="0" err="1" smtClean="0"/>
+              <a:t>case</a:t>
+            </a:r>
+            <a:r>
+              <a:rPr lang="de-CH" sz="3000" dirty="0" smtClean="0"/>
+              <a:t>)</a:t>
             </a:r>
             <a:endParaRPr lang="de-CH" sz="3000" dirty="0"/>
           </a:p>
           <a:p>
-            <a:pPr lvl="1"/>
-            <a:r>
-              <a:rPr lang="de-CH" sz="2600" dirty="0" smtClean="0"/>
+            <a:endParaRPr lang="de-CH" sz="3000" dirty="0" smtClean="0"/>
+          </a:p>
+          <a:p>
+            <a:r>
+              <a:rPr lang="de-CH" sz="3000" dirty="0" smtClean="0"/>
+              <a:t>Emergency </a:t>
+            </a:r>
+            <a:r>
+              <a:rPr lang="de-CH" sz="3000" dirty="0" err="1" smtClean="0"/>
+              <a:t>cases</a:t>
+            </a:r>
+            <a:r>
+              <a:rPr lang="de-CH" sz="3000" dirty="0" smtClean="0"/>
+              <a:t> </a:t>
+            </a:r>
+            <a:r>
+              <a:rPr lang="de-CH" sz="3000" dirty="0" err="1" smtClean="0"/>
+              <a:t>always</a:t>
+            </a:r>
+            <a:r>
+              <a:rPr lang="de-CH" sz="3000" dirty="0" smtClean="0"/>
+              <a:t> </a:t>
+            </a:r>
+            <a:r>
+              <a:rPr lang="de-CH" sz="3000" dirty="0" err="1"/>
+              <a:t>have</a:t>
+            </a:r>
+            <a:r>
+              <a:rPr lang="de-CH" sz="3000" dirty="0" smtClean="0"/>
+              <a:t> a </a:t>
+            </a:r>
+            <a:r>
+              <a:rPr lang="de-CH" sz="3000" dirty="0" err="1" smtClean="0"/>
+              <a:t>higher</a:t>
+            </a:r>
+            <a:r>
+              <a:rPr lang="de-CH" sz="3000" dirty="0" smtClean="0"/>
+              <a:t> </a:t>
+            </a:r>
+            <a:r>
+              <a:rPr lang="en-US" sz="3200" dirty="0" smtClean="0"/>
+              <a:t>priority</a:t>
+            </a:r>
+            <a:endParaRPr lang="de-CH" sz="3000" dirty="0"/>
+          </a:p>
+          <a:p>
+            <a:endParaRPr lang="de-CH" sz="3000" dirty="0" smtClean="0"/>
+          </a:p>
+          <a:p>
+            <a:r>
+              <a:rPr lang="de-CH" sz="3000" dirty="0" smtClean="0"/>
+              <a:t>Care Package </a:t>
+            </a:r>
+            <a:r>
+              <a:rPr lang="de-CH" sz="3000" dirty="0" err="1" smtClean="0"/>
+              <a:t>definition</a:t>
+            </a:r>
+            <a:endParaRPr lang="de-CH" sz="3000" dirty="0" smtClean="0"/>
+          </a:p>
+          <a:p>
+            <a:endParaRPr lang="de-CH" sz="3000" dirty="0"/>
+          </a:p>
+          <a:p>
+            <a:r>
+              <a:rPr lang="de-CH" sz="3000" dirty="0" smtClean="0"/>
               <a:t>Departments </a:t>
             </a:r>
             <a:r>
-              <a:rPr lang="de-CH" sz="2600" dirty="0" err="1" smtClean="0"/>
-              <a:t>bid</a:t>
-            </a:r>
-            <a:r>
-              <a:rPr lang="de-CH" sz="2600" dirty="0" smtClean="0"/>
-              <a:t> </a:t>
-            </a:r>
-            <a:r>
-              <a:rPr lang="de-CH" sz="2600" dirty="0" err="1" smtClean="0"/>
+              <a:rPr lang="de-CH" sz="3000" dirty="0" err="1" smtClean="0"/>
+              <a:t>have</a:t>
+            </a:r>
+            <a:r>
+              <a:rPr lang="de-CH" sz="3000" dirty="0" smtClean="0"/>
+              <a:t> </a:t>
+            </a:r>
+            <a:r>
+              <a:rPr lang="de-CH" sz="3000" dirty="0" err="1" smtClean="0"/>
+              <a:t>to</a:t>
+            </a:r>
+            <a:r>
+              <a:rPr lang="de-CH" sz="3000" dirty="0" smtClean="0"/>
+              <a:t> </a:t>
+            </a:r>
+            <a:r>
+              <a:rPr lang="de-CH" sz="3000" dirty="0" err="1" smtClean="0"/>
+              <a:t>answer</a:t>
+            </a:r>
+            <a:r>
+              <a:rPr lang="de-CH" sz="3000" dirty="0" smtClean="0"/>
+              <a:t> </a:t>
+            </a:r>
+            <a:r>
+              <a:rPr lang="de-CH" sz="3000" dirty="0" err="1" smtClean="0"/>
+              <a:t>proposal</a:t>
+            </a:r>
+            <a:r>
+              <a:rPr lang="de-CH" sz="3000" dirty="0" smtClean="0"/>
+              <a:t> </a:t>
+            </a:r>
+            <a:r>
+              <a:rPr lang="de-CH" sz="3000" dirty="0" err="1" smtClean="0"/>
+              <a:t>calls</a:t>
+            </a:r>
+            <a:r>
+              <a:rPr lang="de-CH" sz="3000" dirty="0" smtClean="0"/>
+              <a:t> </a:t>
+            </a:r>
+            <a:r>
+              <a:rPr lang="de-CH" sz="3000" dirty="0" err="1" smtClean="0"/>
               <a:t>for</a:t>
             </a:r>
             <a:r>
-              <a:rPr lang="de-CH" sz="2600" dirty="0" smtClean="0"/>
-              <a:t> </a:t>
-            </a:r>
-            <a:r>
-              <a:rPr lang="de-CH" sz="2600" dirty="0" err="1" smtClean="0"/>
-              <a:t>resources</a:t>
-            </a:r>
-            <a:endParaRPr lang="de-CH" sz="2600" dirty="0" smtClean="0"/>
-          </a:p>
-          <a:p>
-            <a:pPr lvl="1"/>
-            <a:r>
-              <a:rPr lang="de-CH" sz="2600" dirty="0" smtClean="0"/>
-              <a:t>Price </a:t>
-            </a:r>
-            <a:r>
-              <a:rPr lang="de-CH" sz="2600" dirty="0" err="1" smtClean="0"/>
-              <a:t>is</a:t>
-            </a:r>
-            <a:r>
-              <a:rPr lang="de-CH" sz="2600" dirty="0" smtClean="0"/>
-              <a:t> </a:t>
-            </a:r>
-            <a:r>
-              <a:rPr lang="de-CH" sz="2600" dirty="0" err="1" smtClean="0"/>
-              <a:t>health</a:t>
-            </a:r>
-            <a:r>
-              <a:rPr lang="de-CH" sz="2600" dirty="0" smtClean="0"/>
-              <a:t> </a:t>
-            </a:r>
-            <a:r>
-              <a:rPr lang="de-CH" sz="2600" dirty="0" err="1" smtClean="0"/>
-              <a:t>status</a:t>
-            </a:r>
-            <a:r>
-              <a:rPr lang="de-CH" sz="2600" dirty="0"/>
-              <a:t> </a:t>
-            </a:r>
-            <a:r>
-              <a:rPr lang="de-CH" sz="2600" dirty="0" err="1" smtClean="0"/>
+              <a:rPr lang="de-CH" sz="3000" dirty="0"/>
+              <a:t> </a:t>
+            </a:r>
+            <a:r>
+              <a:rPr lang="de-CH" sz="3000" dirty="0" err="1" smtClean="0"/>
+              <a:t>tasks</a:t>
+            </a:r>
+            <a:r>
+              <a:rPr lang="de-CH" sz="3000" dirty="0" smtClean="0"/>
+              <a:t> </a:t>
+            </a:r>
+            <a:r>
+              <a:rPr lang="de-CH" sz="3000" dirty="0" err="1" smtClean="0"/>
               <a:t>of</a:t>
             </a:r>
             <a:r>
-              <a:rPr lang="de-CH" sz="2600" dirty="0" smtClean="0"/>
-              <a:t> </a:t>
-            </a:r>
-            <a:r>
-              <a:rPr lang="de-CH" sz="2600" dirty="0" err="1" smtClean="0"/>
-              <a:t>patient</a:t>
-            </a:r>
-            <a:endParaRPr lang="de-CH" sz="2600" dirty="0" smtClean="0"/>
-          </a:p>
-          <a:p>
-            <a:pPr lvl="1"/>
-            <a:endParaRPr lang="de-CH" sz="2600" dirty="0"/>
-          </a:p>
-          <a:p>
-            <a:r>
-              <a:rPr lang="de-CH" sz="3000" dirty="0" err="1" smtClean="0"/>
-              <a:t>Contract</a:t>
-            </a:r>
-            <a:r>
-              <a:rPr lang="de-CH" sz="3000" dirty="0" smtClean="0"/>
-              <a:t> Net Protocol</a:t>
-            </a:r>
-          </a:p>
-          <a:p>
-            <a:pPr lvl="1"/>
-            <a:r>
-              <a:rPr lang="de-CH" sz="2600" dirty="0" smtClean="0"/>
-              <a:t>Interaction </a:t>
-            </a:r>
-            <a:r>
-              <a:rPr lang="de-CH" sz="2600" dirty="0" err="1" smtClean="0"/>
-              <a:t>between</a:t>
-            </a:r>
-            <a:r>
-              <a:rPr lang="de-CH" sz="2600" dirty="0" smtClean="0"/>
-              <a:t> </a:t>
-            </a:r>
-            <a:r>
-              <a:rPr lang="de-CH" sz="2600" dirty="0" err="1" smtClean="0"/>
-              <a:t>departments</a:t>
-            </a:r>
-            <a:endParaRPr lang="de-CH" sz="2600" dirty="0" smtClean="0"/>
-          </a:p>
-          <a:p>
-            <a:pPr lvl="1"/>
-            <a:r>
-              <a:rPr lang="de-CH" sz="2600" dirty="0" smtClean="0"/>
-              <a:t>Task </a:t>
-            </a:r>
-            <a:r>
-              <a:rPr lang="de-CH" sz="2600" dirty="0" err="1" smtClean="0"/>
-              <a:t>are</a:t>
-            </a:r>
-            <a:r>
-              <a:rPr lang="de-CH" sz="2600" dirty="0"/>
-              <a:t> </a:t>
-            </a:r>
-            <a:r>
-              <a:rPr lang="de-CH" sz="2600" dirty="0" err="1" smtClean="0"/>
-              <a:t>missing</a:t>
-            </a:r>
-            <a:r>
-              <a:rPr lang="de-CH" sz="2600" dirty="0" smtClean="0"/>
-              <a:t> </a:t>
-            </a:r>
-            <a:r>
-              <a:rPr lang="de-CH" sz="2600" dirty="0" err="1" smtClean="0"/>
-              <a:t>resources</a:t>
-            </a:r>
-            <a:endParaRPr lang="de-CH" sz="2600" dirty="0" smtClean="0"/>
-          </a:p>
-          <a:p>
+              <a:rPr lang="de-CH" sz="3000" dirty="0" smtClean="0"/>
+              <a:t> </a:t>
+            </a:r>
+            <a:r>
+              <a:rPr lang="de-CH" sz="3000" dirty="0" err="1" smtClean="0"/>
+              <a:t>patients</a:t>
+            </a:r>
+            <a:r>
+              <a:rPr lang="de-CH" sz="3000" dirty="0" smtClean="0"/>
+              <a:t> </a:t>
+            </a:r>
+            <a:r>
+              <a:rPr lang="de-CH" sz="3000" dirty="0" err="1" smtClean="0"/>
+              <a:t>with</a:t>
+            </a:r>
+            <a:r>
+              <a:rPr lang="de-CH" sz="3000" dirty="0" smtClean="0"/>
+              <a:t> a </a:t>
+            </a:r>
+            <a:r>
+              <a:rPr lang="de-CH" sz="3000" dirty="0" err="1" smtClean="0"/>
+              <a:t>higher</a:t>
+            </a:r>
+            <a:r>
+              <a:rPr lang="de-CH" sz="3000" dirty="0" smtClean="0"/>
+              <a:t> </a:t>
+            </a:r>
+            <a:r>
+              <a:rPr lang="de-CH" sz="3000" dirty="0" err="1" smtClean="0"/>
+              <a:t>priority</a:t>
+            </a:r>
             <a:endParaRPr lang="en-US" sz="3000" dirty="0" smtClean="0"/>
           </a:p>
         </p:txBody>
@@ -5317,7 +5578,7 @@
     </p:spTree>
     <p:extLst>
       <p:ext uri="{BB962C8B-B14F-4D97-AF65-F5344CB8AC3E}">
-        <p14:creationId xmlns:p14="http://schemas.microsoft.com/office/powerpoint/2010/main" val="1269214102"/>
+        <p14:creationId xmlns:p14="http://schemas.microsoft.com/office/powerpoint/2010/main" val="2881154084"/>
       </p:ext>
     </p:extLst>
   </p:cSld>
@@ -5327,7 +5588,7 @@
   <p:timing>
     <p:tnLst>
       <p:par>
-        <p:cTn id="1" dur="indefinite" restart="never" nodeType="tmRoot"/>
+        <p:cTn xmlns:p14="http://schemas.microsoft.com/office/powerpoint/2010/main" id="1" dur="indefinite" restart="never" nodeType="tmRoot"/>
       </p:par>
     </p:tnLst>
   </p:timing>

--- a/documentation/OperationRoom/presentation/ORP_neher_buettiker.pptx
+++ b/documentation/OperationRoom/presentation/ORP_neher_buettiker.pptx
@@ -17,6 +17,7 @@
     <p:sldId id="264" r:id="rId11"/>
     <p:sldId id="265" r:id="rId12"/>
     <p:sldId id="257" r:id="rId13"/>
+    <p:sldId id="268" r:id="rId14"/>
   </p:sldIdLst>
   <p:sldSz cx="9144000" cy="6858000" type="screen4x3"/>
   <p:notesSz cx="6858000" cy="9144000"/>
@@ -306,7 +307,7 @@
           <a:p>
             <a:fld id="{1BA50D42-C9CD-4801-B293-61D1F53EC57E}" type="datetimeFigureOut">
               <a:rPr lang="de-DE" smtClean="0"/>
-              <a:t>3/13/13</a:t>
+              <a:t>14.03.2013</a:t>
             </a:fld>
             <a:endParaRPr lang="de-DE"/>
           </a:p>
@@ -348,7 +349,7 @@
           <a:p>
             <a:fld id="{6C6AE60A-B69C-4790-82F7-3882EDF23186}" type="slidenum">
               <a:rPr lang="de-DE" smtClean="0"/>
-              <a:t>‹#›</a:t>
+              <a:t>‹Nr.›</a:t>
             </a:fld>
             <a:endParaRPr lang="de-DE"/>
           </a:p>
@@ -506,7 +507,7 @@
           <a:p>
             <a:fld id="{1BA50D42-C9CD-4801-B293-61D1F53EC57E}" type="datetimeFigureOut">
               <a:rPr lang="de-DE" smtClean="0"/>
-              <a:t>3/13/13</a:t>
+              <a:t>14.03.2013</a:t>
             </a:fld>
             <a:endParaRPr lang="de-DE"/>
           </a:p>
@@ -548,7 +549,7 @@
           <a:p>
             <a:fld id="{6C6AE60A-B69C-4790-82F7-3882EDF23186}" type="slidenum">
               <a:rPr lang="de-DE" smtClean="0"/>
-              <a:t>‹#›</a:t>
+              <a:t>‹Nr.›</a:t>
             </a:fld>
             <a:endParaRPr lang="de-DE"/>
           </a:p>
@@ -681,7 +682,7 @@
           <a:p>
             <a:fld id="{1BA50D42-C9CD-4801-B293-61D1F53EC57E}" type="datetimeFigureOut">
               <a:rPr lang="de-DE" smtClean="0"/>
-              <a:t>3/13/13</a:t>
+              <a:t>14.03.2013</a:t>
             </a:fld>
             <a:endParaRPr lang="de-DE"/>
           </a:p>
@@ -723,7 +724,7 @@
           <a:p>
             <a:fld id="{6C6AE60A-B69C-4790-82F7-3882EDF23186}" type="slidenum">
               <a:rPr lang="de-DE" smtClean="0"/>
-              <a:t>‹#›</a:t>
+              <a:t>‹Nr.›</a:t>
             </a:fld>
             <a:endParaRPr lang="de-DE"/>
           </a:p>
@@ -846,7 +847,7 @@
           <a:p>
             <a:fld id="{1BA50D42-C9CD-4801-B293-61D1F53EC57E}" type="datetimeFigureOut">
               <a:rPr lang="de-DE" smtClean="0"/>
-              <a:t>3/13/13</a:t>
+              <a:t>14.03.2013</a:t>
             </a:fld>
             <a:endParaRPr lang="de-DE"/>
           </a:p>
@@ -888,7 +889,7 @@
           <a:p>
             <a:fld id="{6C6AE60A-B69C-4790-82F7-3882EDF23186}" type="slidenum">
               <a:rPr lang="de-DE" smtClean="0"/>
-              <a:t>‹#›</a:t>
+              <a:t>‹Nr.›</a:t>
             </a:fld>
             <a:endParaRPr lang="de-DE"/>
           </a:p>
@@ -1094,7 +1095,7 @@
           <a:p>
             <a:fld id="{1BA50D42-C9CD-4801-B293-61D1F53EC57E}" type="datetimeFigureOut">
               <a:rPr lang="de-DE" smtClean="0"/>
-              <a:t>3/13/13</a:t>
+              <a:t>14.03.2013</a:t>
             </a:fld>
             <a:endParaRPr lang="de-DE"/>
           </a:p>
@@ -1136,7 +1137,7 @@
           <a:p>
             <a:fld id="{6C6AE60A-B69C-4790-82F7-3882EDF23186}" type="slidenum">
               <a:rPr lang="de-DE" smtClean="0"/>
-              <a:t>‹#›</a:t>
+              <a:t>‹Nr.›</a:t>
             </a:fld>
             <a:endParaRPr lang="de-DE"/>
           </a:p>
@@ -1412,7 +1413,7 @@
           <a:p>
             <a:fld id="{1BA50D42-C9CD-4801-B293-61D1F53EC57E}" type="datetimeFigureOut">
               <a:rPr lang="de-DE" smtClean="0"/>
-              <a:t>3/13/13</a:t>
+              <a:t>14.03.2013</a:t>
             </a:fld>
             <a:endParaRPr lang="de-DE"/>
           </a:p>
@@ -1454,7 +1455,7 @@
           <a:p>
             <a:fld id="{6C6AE60A-B69C-4790-82F7-3882EDF23186}" type="slidenum">
               <a:rPr lang="de-DE" smtClean="0"/>
-              <a:t>‹#›</a:t>
+              <a:t>‹Nr.›</a:t>
             </a:fld>
             <a:endParaRPr lang="de-DE"/>
           </a:p>
@@ -1878,7 +1879,7 @@
           <a:p>
             <a:fld id="{1BA50D42-C9CD-4801-B293-61D1F53EC57E}" type="datetimeFigureOut">
               <a:rPr lang="de-DE" smtClean="0"/>
-              <a:t>3/13/13</a:t>
+              <a:t>14.03.2013</a:t>
             </a:fld>
             <a:endParaRPr lang="de-DE"/>
           </a:p>
@@ -1920,7 +1921,7 @@
           <a:p>
             <a:fld id="{6C6AE60A-B69C-4790-82F7-3882EDF23186}" type="slidenum">
               <a:rPr lang="de-DE" smtClean="0"/>
-              <a:t>‹#›</a:t>
+              <a:t>‹Nr.›</a:t>
             </a:fld>
             <a:endParaRPr lang="de-DE"/>
           </a:p>
@@ -2026,7 +2027,7 @@
           <a:p>
             <a:fld id="{1BA50D42-C9CD-4801-B293-61D1F53EC57E}" type="datetimeFigureOut">
               <a:rPr lang="de-DE" smtClean="0"/>
-              <a:t>3/13/13</a:t>
+              <a:t>14.03.2013</a:t>
             </a:fld>
             <a:endParaRPr lang="de-DE"/>
           </a:p>
@@ -2068,7 +2069,7 @@
           <a:p>
             <a:fld id="{6C6AE60A-B69C-4790-82F7-3882EDF23186}" type="slidenum">
               <a:rPr lang="de-DE" smtClean="0"/>
-              <a:t>‹#›</a:t>
+              <a:t>‹Nr.›</a:t>
             </a:fld>
             <a:endParaRPr lang="de-DE"/>
           </a:p>
@@ -2116,7 +2117,7 @@
           <a:p>
             <a:fld id="{1BA50D42-C9CD-4801-B293-61D1F53EC57E}" type="datetimeFigureOut">
               <a:rPr lang="de-DE" smtClean="0"/>
-              <a:t>3/13/13</a:t>
+              <a:t>14.03.2013</a:t>
             </a:fld>
             <a:endParaRPr lang="de-DE"/>
           </a:p>
@@ -2158,7 +2159,7 @@
           <a:p>
             <a:fld id="{6C6AE60A-B69C-4790-82F7-3882EDF23186}" type="slidenum">
               <a:rPr lang="de-DE" smtClean="0"/>
-              <a:t>‹#›</a:t>
+              <a:t>‹Nr.›</a:t>
             </a:fld>
             <a:endParaRPr lang="de-DE"/>
           </a:p>
@@ -2390,7 +2391,7 @@
           <a:p>
             <a:fld id="{1BA50D42-C9CD-4801-B293-61D1F53EC57E}" type="datetimeFigureOut">
               <a:rPr lang="de-DE" smtClean="0"/>
-              <a:t>3/13/13</a:t>
+              <a:t>14.03.2013</a:t>
             </a:fld>
             <a:endParaRPr lang="de-DE"/>
           </a:p>
@@ -2432,7 +2433,7 @@
           <a:p>
             <a:fld id="{6C6AE60A-B69C-4790-82F7-3882EDF23186}" type="slidenum">
               <a:rPr lang="de-DE" smtClean="0"/>
-              <a:t>‹#›</a:t>
+              <a:t>‹Nr.›</a:t>
             </a:fld>
             <a:endParaRPr lang="de-DE"/>
           </a:p>
@@ -2695,7 +2696,7 @@
           <a:p>
             <a:fld id="{1BA50D42-C9CD-4801-B293-61D1F53EC57E}" type="datetimeFigureOut">
               <a:rPr lang="de-DE" smtClean="0"/>
-              <a:t>3/13/13</a:t>
+              <a:t>14.03.2013</a:t>
             </a:fld>
             <a:endParaRPr lang="de-DE"/>
           </a:p>
@@ -2737,7 +2738,7 @@
           <a:p>
             <a:fld id="{6C6AE60A-B69C-4790-82F7-3882EDF23186}" type="slidenum">
               <a:rPr lang="de-DE" smtClean="0"/>
-              <a:t>‹#›</a:t>
+              <a:t>‹Nr.›</a:t>
             </a:fld>
             <a:endParaRPr lang="de-DE"/>
           </a:p>
@@ -2993,7 +2994,7 @@
           <a:p>
             <a:fld id="{1BA50D42-C9CD-4801-B293-61D1F53EC57E}" type="datetimeFigureOut">
               <a:rPr lang="de-DE" smtClean="0"/>
-              <a:t>3/13/13</a:t>
+              <a:t>14.03.2013</a:t>
             </a:fld>
             <a:endParaRPr lang="de-DE"/>
           </a:p>
@@ -3067,7 +3068,7 @@
           <a:p>
             <a:fld id="{6C6AE60A-B69C-4790-82F7-3882EDF23186}" type="slidenum">
               <a:rPr lang="de-DE" smtClean="0"/>
-              <a:t>‹#›</a:t>
+              <a:t>‹Nr.›</a:t>
             </a:fld>
             <a:endParaRPr lang="de-DE"/>
           </a:p>
@@ -3484,7 +3485,7 @@
   <p:timing>
     <p:tnLst>
       <p:par>
-        <p:cTn xmlns:p14="http://schemas.microsoft.com/office/powerpoint/2010/main" id="1" dur="indefinite" restart="never" nodeType="tmRoot"/>
+        <p:cTn id="1" dur="indefinite" restart="never" nodeType="tmRoot"/>
       </p:par>
     </p:tnLst>
   </p:timing>
@@ -3706,7 +3707,7 @@
   <p:timing>
     <p:tnLst>
       <p:par>
-        <p:cTn xmlns:p14="http://schemas.microsoft.com/office/powerpoint/2010/main" id="1" dur="indefinite" restart="never" nodeType="tmRoot"/>
+        <p:cTn id="1" dur="indefinite" restart="never" nodeType="tmRoot"/>
       </p:par>
     </p:tnLst>
   </p:timing>
@@ -3791,14 +3792,14 @@
             <a:noFill/>
           </a:ln>
           <a:extLst>
-            <a:ext uri="{909E8E84-426E-40dd-AFC4-6F175D3DCCD1}">
+            <a:ext uri="{909E8E84-426E-40DD-AFC4-6F175D3DCCD1}">
               <a14:hiddenFill xmlns:a14="http://schemas.microsoft.com/office/drawing/2010/main">
                 <a:solidFill>
                   <a:schemeClr val="accent1"/>
                 </a:solidFill>
               </a14:hiddenFill>
             </a:ext>
-            <a:ext uri="{91240B29-F687-4f45-9708-019B960494DF}">
+            <a:ext uri="{91240B29-F687-4F45-9708-019B960494DF}">
               <a14:hiddenLine xmlns:a14="http://schemas.microsoft.com/office/drawing/2010/main" w="9525">
                 <a:solidFill>
                   <a:schemeClr val="tx1"/>
@@ -3824,7 +3825,7 @@
   <p:timing>
     <p:tnLst>
       <p:par>
-        <p:cTn xmlns:p14="http://schemas.microsoft.com/office/powerpoint/2010/main" id="1" dur="indefinite" restart="never" nodeType="tmRoot"/>
+        <p:cTn id="1" dur="indefinite" restart="never" nodeType="tmRoot"/>
       </p:par>
     </p:tnLst>
   </p:timing>
@@ -3860,129 +3861,158 @@
         </p:nvSpPr>
         <p:spPr/>
         <p:txBody>
+          <a:bodyPr>
+            <a:normAutofit fontScale="90000"/>
+          </a:bodyPr>
+          <a:lstStyle/>
+          <a:p>
+            <a:r>
+              <a:rPr lang="de-CH" dirty="0" smtClean="0"/>
+              <a:t>Opposition </a:t>
+            </a:r>
+            <a:r>
+              <a:rPr lang="de-CH" sz="2900" dirty="0"/>
+              <a:t>- Hari </a:t>
+            </a:r>
+            <a:r>
+              <a:rPr lang="de-CH" sz="2900" dirty="0" err="1"/>
+              <a:t>Sagar</a:t>
+            </a:r>
+            <a:r>
+              <a:rPr lang="de-CH" sz="2900" dirty="0"/>
+              <a:t> </a:t>
+            </a:r>
+            <a:r>
+              <a:rPr lang="de-CH" sz="2900" dirty="0" err="1" smtClean="0"/>
+              <a:t>Ranjitkar</a:t>
+            </a:r>
+            <a:r>
+              <a:rPr lang="de-CH" sz="2900" dirty="0" smtClean="0"/>
+              <a:t> &amp; </a:t>
+            </a:r>
+            <a:r>
+              <a:rPr lang="de-CH" sz="2900" dirty="0" err="1" smtClean="0"/>
+              <a:t>Jedidiah</a:t>
+            </a:r>
+            <a:r>
+              <a:rPr lang="de-CH" sz="2900" dirty="0" smtClean="0"/>
+              <a:t> </a:t>
+            </a:r>
+            <a:r>
+              <a:rPr lang="de-CH" sz="2900" dirty="0" err="1"/>
+              <a:t>Waltedji</a:t>
+            </a:r>
+            <a:endParaRPr lang="en-US" sz="2900" dirty="0"/>
+          </a:p>
+        </p:txBody>
+      </p:sp>
+      <p:sp>
+        <p:nvSpPr>
+          <p:cNvPr id="3" name="Inhaltsplatzhalter 2"/>
+          <p:cNvSpPr>
+            <a:spLocks noGrp="1"/>
+          </p:cNvSpPr>
+          <p:nvPr>
+            <p:ph idx="1"/>
+          </p:nvPr>
+        </p:nvSpPr>
+        <p:spPr/>
+        <p:txBody>
           <a:bodyPr/>
           <a:lstStyle/>
           <a:p>
             <a:r>
-              <a:rPr lang="de-CH" dirty="0" smtClean="0"/>
-              <a:t>Opposition</a:t>
-            </a:r>
-            <a:endParaRPr lang="en-US" dirty="0"/>
-          </a:p>
-        </p:txBody>
-      </p:sp>
-      <p:sp>
-        <p:nvSpPr>
-          <p:cNvPr id="3" name="Inhaltsplatzhalter 2"/>
-          <p:cNvSpPr>
-            <a:spLocks noGrp="1"/>
-          </p:cNvSpPr>
-          <p:nvPr>
-            <p:ph idx="1"/>
-          </p:nvPr>
-        </p:nvSpPr>
-        <p:spPr/>
-        <p:txBody>
-          <a:bodyPr/>
-          <a:lstStyle/>
-          <a:p>
-            <a:r>
-              <a:rPr lang="en-US" dirty="0"/>
-              <a:t>They are o </a:t>
-            </a:r>
-            <a:r>
-              <a:rPr lang="en-US" dirty="0" err="1"/>
-              <a:t>perating</a:t>
-            </a:r>
-            <a:r>
-              <a:rPr lang="en-US" dirty="0"/>
-              <a:t> </a:t>
-            </a:r>
-          </a:p>
-          <a:p>
-            <a:r>
-              <a:rPr lang="en-US" dirty="0"/>
-              <a:t>room section protocol, emergency section protocol and </a:t>
-            </a:r>
-          </a:p>
-          <a:p>
-            <a:r>
-              <a:rPr lang="en-US" dirty="0"/>
-              <a:t>Outpatient protocol</a:t>
-            </a:r>
-            <a:r>
-              <a:rPr lang="en-US" dirty="0" smtClean="0"/>
-              <a:t>.</a:t>
-            </a:r>
-          </a:p>
-          <a:p>
-            <a:r>
-              <a:rPr lang="de-CH" dirty="0" smtClean="0"/>
-              <a:t>ICU </a:t>
-            </a:r>
-            <a:r>
-              <a:rPr lang="de-CH" dirty="0" err="1" smtClean="0"/>
+              <a:rPr lang="en-US" sz="3000" dirty="0" smtClean="0"/>
+              <a:t>Organizational Rules</a:t>
+            </a:r>
+          </a:p>
+          <a:p>
+            <a:pPr lvl="1"/>
+            <a:endParaRPr lang="de-CH" sz="2200" dirty="0"/>
+          </a:p>
+          <a:p>
+            <a:pPr lvl="1"/>
+            <a:r>
+              <a:rPr lang="en-US" sz="2400" dirty="0" smtClean="0"/>
+              <a:t>“Staffs </a:t>
+            </a:r>
+            <a:r>
+              <a:rPr lang="en-US" sz="2400" dirty="0"/>
+              <a:t>should be helping patients even after successful </a:t>
+            </a:r>
+          </a:p>
+          <a:p>
+            <a:pPr lvl="1"/>
+            <a:r>
+              <a:rPr lang="en-US" sz="2400" dirty="0"/>
+              <a:t>surgical operations since patient may be too weak for certain </a:t>
+            </a:r>
+          </a:p>
+          <a:p>
+            <a:pPr lvl="1"/>
+            <a:r>
+              <a:rPr lang="en-US" sz="2400" dirty="0"/>
+              <a:t>time</a:t>
+            </a:r>
+            <a:r>
+              <a:rPr lang="en-US" sz="2400" dirty="0" smtClean="0"/>
+              <a:t>.”</a:t>
+            </a:r>
+          </a:p>
+          <a:p>
+            <a:pPr lvl="1"/>
+            <a:endParaRPr lang="de-CH" sz="2200" dirty="0"/>
+          </a:p>
+          <a:p>
+            <a:r>
+              <a:rPr lang="de-CH" sz="2800" dirty="0" err="1" smtClean="0"/>
+              <a:t>What</a:t>
+            </a:r>
+            <a:r>
+              <a:rPr lang="de-CH" sz="2800" dirty="0" smtClean="0"/>
+              <a:t> </a:t>
+            </a:r>
+            <a:r>
+              <a:rPr lang="de-CH" sz="2800" dirty="0" err="1" smtClean="0"/>
               <a:t>is</a:t>
             </a:r>
             <a:r>
-              <a:rPr lang="de-CH" dirty="0" smtClean="0"/>
-              <a:t> </a:t>
-            </a:r>
-            <a:r>
-              <a:rPr lang="de-CH" dirty="0" smtClean="0"/>
-              <a:t>postoperative?</a:t>
-            </a:r>
-            <a:endParaRPr lang="de-CH" dirty="0" smtClean="0"/>
-          </a:p>
-          <a:p>
-            <a:r>
-              <a:rPr lang="de-CH" dirty="0" err="1" smtClean="0"/>
-              <a:t>Why</a:t>
-            </a:r>
-            <a:r>
-              <a:rPr lang="de-CH" dirty="0" smtClean="0"/>
-              <a:t> not </a:t>
-            </a:r>
-            <a:r>
-              <a:rPr lang="de-CH" dirty="0" err="1" smtClean="0"/>
-              <a:t>combine</a:t>
-            </a:r>
-            <a:r>
-              <a:rPr lang="de-CH" dirty="0" smtClean="0"/>
-              <a:t> </a:t>
-            </a:r>
-            <a:r>
-              <a:rPr lang="de-CH" dirty="0" err="1" smtClean="0"/>
-              <a:t>both</a:t>
-            </a:r>
-            <a:r>
-              <a:rPr lang="de-CH" dirty="0" smtClean="0"/>
-              <a:t> </a:t>
-            </a:r>
-            <a:r>
-              <a:rPr lang="de-CH" dirty="0" err="1" smtClean="0"/>
-              <a:t>acutions</a:t>
-            </a:r>
-            <a:r>
-              <a:rPr lang="de-CH" dirty="0" smtClean="0"/>
-              <a:t> </a:t>
-            </a:r>
-            <a:r>
-              <a:rPr lang="de-CH" dirty="0" err="1" smtClean="0"/>
-              <a:t>and</a:t>
-            </a:r>
-            <a:r>
-              <a:rPr lang="de-CH" dirty="0" smtClean="0"/>
-              <a:t> CNP</a:t>
-            </a:r>
-            <a:r>
-              <a:rPr lang="de-CH" dirty="0" smtClean="0"/>
-              <a:t>?</a:t>
-            </a:r>
-          </a:p>
-          <a:p>
-            <a:pPr lvl="1"/>
-            <a:endParaRPr lang="en-US" dirty="0"/>
+              <a:rPr lang="de-CH" sz="2800" dirty="0" smtClean="0"/>
+              <a:t> </a:t>
+            </a:r>
+            <a:r>
+              <a:rPr lang="de-CH" sz="2800" dirty="0" err="1" smtClean="0"/>
+              <a:t>the</a:t>
+            </a:r>
+            <a:r>
+              <a:rPr lang="de-CH" sz="2800" dirty="0" smtClean="0"/>
+              <a:t> </a:t>
+            </a:r>
+            <a:r>
+              <a:rPr lang="de-CH" sz="2800" dirty="0" err="1" smtClean="0"/>
+              <a:t>connection</a:t>
+            </a:r>
+            <a:r>
+              <a:rPr lang="de-CH" sz="2800" dirty="0" smtClean="0"/>
+              <a:t> </a:t>
+            </a:r>
+            <a:r>
+              <a:rPr lang="de-CH" sz="2800" dirty="0" err="1" smtClean="0"/>
+              <a:t>to</a:t>
+            </a:r>
+            <a:r>
+              <a:rPr lang="de-CH" sz="2800" dirty="0" smtClean="0"/>
+              <a:t> </a:t>
+            </a:r>
+            <a:r>
+              <a:rPr lang="de-CH" sz="2800" dirty="0" err="1" smtClean="0"/>
+              <a:t>the</a:t>
+            </a:r>
+            <a:r>
+              <a:rPr lang="de-CH" sz="2800" dirty="0" smtClean="0"/>
+              <a:t> MAS?</a:t>
+            </a:r>
+            <a:endParaRPr lang="en-US" sz="2800" dirty="0"/>
           </a:p>
         </p:txBody>
       </p:sp>
@@ -3999,7 +4029,273 @@
   <p:timing>
     <p:tnLst>
       <p:par>
-        <p:cTn xmlns:p14="http://schemas.microsoft.com/office/powerpoint/2010/main" id="1" dur="indefinite" restart="never" nodeType="tmRoot"/>
+        <p:cTn id="1" dur="indefinite" restart="never" nodeType="tmRoot"/>
+      </p:par>
+    </p:tnLst>
+  </p:timing>
+</p:sld>
+</file>
+
+<file path=ppt/slides/slide13.xml><?xml version="1.0" encoding="utf-8"?>
+<p:sld xmlns:a="http://schemas.openxmlformats.org/drawingml/2006/main" xmlns:r="http://schemas.openxmlformats.org/officeDocument/2006/relationships" xmlns:p="http://schemas.openxmlformats.org/presentationml/2006/main">
+  <p:cSld>
+    <p:spTree>
+      <p:nvGrpSpPr>
+        <p:cNvPr id="1" name=""/>
+        <p:cNvGrpSpPr/>
+        <p:nvPr/>
+      </p:nvGrpSpPr>
+      <p:grpSpPr>
+        <a:xfrm>
+          <a:off x="0" y="0"/>
+          <a:ext cx="0" cy="0"/>
+          <a:chOff x="0" y="0"/>
+          <a:chExt cx="0" cy="0"/>
+        </a:xfrm>
+      </p:grpSpPr>
+      <p:sp>
+        <p:nvSpPr>
+          <p:cNvPr id="2" name="Titel 1"/>
+          <p:cNvSpPr>
+            <a:spLocks noGrp="1"/>
+          </p:cNvSpPr>
+          <p:nvPr>
+            <p:ph type="title"/>
+          </p:nvPr>
+        </p:nvSpPr>
+        <p:spPr/>
+        <p:txBody>
+          <a:bodyPr>
+            <a:normAutofit fontScale="90000"/>
+          </a:bodyPr>
+          <a:lstStyle/>
+          <a:p>
+            <a:r>
+              <a:rPr lang="de-CH" dirty="0" smtClean="0"/>
+              <a:t>Opposition </a:t>
+            </a:r>
+            <a:r>
+              <a:rPr lang="de-CH" sz="2900" dirty="0"/>
+              <a:t>- Hari </a:t>
+            </a:r>
+            <a:r>
+              <a:rPr lang="de-CH" sz="2900" dirty="0" err="1"/>
+              <a:t>Sagar</a:t>
+            </a:r>
+            <a:r>
+              <a:rPr lang="de-CH" sz="2900" dirty="0"/>
+              <a:t> </a:t>
+            </a:r>
+            <a:r>
+              <a:rPr lang="de-CH" sz="2900" dirty="0" err="1" smtClean="0"/>
+              <a:t>Ranjitkar</a:t>
+            </a:r>
+            <a:r>
+              <a:rPr lang="de-CH" sz="2900" dirty="0" smtClean="0"/>
+              <a:t> &amp; </a:t>
+            </a:r>
+            <a:r>
+              <a:rPr lang="de-CH" sz="2900" dirty="0" err="1" smtClean="0"/>
+              <a:t>Jedidiah</a:t>
+            </a:r>
+            <a:r>
+              <a:rPr lang="de-CH" sz="2900" dirty="0" smtClean="0"/>
+              <a:t> </a:t>
+            </a:r>
+            <a:r>
+              <a:rPr lang="de-CH" sz="2900" dirty="0" err="1"/>
+              <a:t>Waltedji</a:t>
+            </a:r>
+            <a:endParaRPr lang="en-US" sz="2900" dirty="0"/>
+          </a:p>
+        </p:txBody>
+      </p:sp>
+      <p:sp>
+        <p:nvSpPr>
+          <p:cNvPr id="3" name="Inhaltsplatzhalter 2"/>
+          <p:cNvSpPr>
+            <a:spLocks noGrp="1"/>
+          </p:cNvSpPr>
+          <p:nvPr>
+            <p:ph idx="1"/>
+          </p:nvPr>
+        </p:nvSpPr>
+        <p:spPr/>
+        <p:txBody>
+          <a:bodyPr>
+            <a:normAutofit/>
+          </a:bodyPr>
+          <a:lstStyle/>
+          <a:p>
+            <a:r>
+              <a:rPr lang="de-CH" sz="3000" dirty="0" err="1" smtClean="0"/>
+              <a:t>Why</a:t>
+            </a:r>
+            <a:r>
+              <a:rPr lang="de-CH" sz="3000" dirty="0" smtClean="0"/>
+              <a:t> </a:t>
+            </a:r>
+            <a:r>
+              <a:rPr lang="de-CH" sz="3000" dirty="0" err="1" smtClean="0"/>
+              <a:t>are</a:t>
+            </a:r>
+            <a:r>
+              <a:rPr lang="de-CH" sz="3000" dirty="0" smtClean="0"/>
+              <a:t> </a:t>
+            </a:r>
+            <a:r>
+              <a:rPr lang="de-CH" sz="3000" dirty="0" err="1" smtClean="0"/>
+              <a:t>Auctions</a:t>
+            </a:r>
+            <a:r>
+              <a:rPr lang="de-CH" sz="3000" dirty="0" smtClean="0"/>
+              <a:t> not </a:t>
+            </a:r>
+            <a:r>
+              <a:rPr lang="de-CH" sz="3000" dirty="0" err="1" smtClean="0"/>
+              <a:t>suitable</a:t>
+            </a:r>
+            <a:r>
+              <a:rPr lang="de-CH" sz="3000" dirty="0" smtClean="0"/>
+              <a:t>?</a:t>
+            </a:r>
+          </a:p>
+          <a:p>
+            <a:endParaRPr lang="de-CH" sz="3000" dirty="0"/>
+          </a:p>
+          <a:p>
+            <a:pPr lvl="1"/>
+            <a:r>
+              <a:rPr lang="en-US" sz="2400" dirty="0" smtClean="0"/>
+              <a:t>“Auctions </a:t>
+            </a:r>
+            <a:r>
+              <a:rPr lang="en-US" sz="2400" dirty="0"/>
+              <a:t>like highest bidding or lowest bidding are not </a:t>
+            </a:r>
+            <a:r>
+              <a:rPr lang="en-US" sz="2400" dirty="0" smtClean="0"/>
+              <a:t> suitable </a:t>
+            </a:r>
+            <a:r>
+              <a:rPr lang="en-US" sz="2400" dirty="0"/>
+              <a:t>in case of operating system planning system </a:t>
+            </a:r>
+            <a:r>
+              <a:rPr lang="en-US" sz="2400" dirty="0" smtClean="0"/>
+              <a:t>since they </a:t>
+            </a:r>
+            <a:r>
+              <a:rPr lang="en-US" sz="2400" dirty="0"/>
+              <a:t>are more prices </a:t>
+            </a:r>
+            <a:r>
+              <a:rPr lang="en-US" sz="2400" dirty="0" smtClean="0"/>
+              <a:t>oriented…”</a:t>
+            </a:r>
+          </a:p>
+          <a:p>
+            <a:pPr lvl="1"/>
+            <a:r>
+              <a:rPr lang="en-US" sz="2400" dirty="0" smtClean="0"/>
+              <a:t>“Also, there  </a:t>
+            </a:r>
+            <a:r>
+              <a:rPr lang="en-US" sz="2400" dirty="0"/>
+              <a:t>is chance of not winning any auctions whereas in CNP </a:t>
+            </a:r>
+            <a:r>
+              <a:rPr lang="en-US" sz="2400" dirty="0" smtClean="0"/>
+              <a:t>there </a:t>
+            </a:r>
+            <a:r>
+              <a:rPr lang="en-US" sz="2400" dirty="0"/>
+              <a:t>is very less chance that everybody rejects the </a:t>
+            </a:r>
+            <a:r>
+              <a:rPr lang="en-US" sz="2400" dirty="0" smtClean="0"/>
+              <a:t>proposal.”</a:t>
+            </a:r>
+          </a:p>
+          <a:p>
+            <a:pPr lvl="1"/>
+            <a:endParaRPr lang="de-CH" sz="2400" dirty="0"/>
+          </a:p>
+          <a:p>
+            <a:r>
+              <a:rPr lang="de-CH" sz="2800" dirty="0" smtClean="0"/>
+              <a:t>In a MAS </a:t>
+            </a:r>
+            <a:r>
+              <a:rPr lang="de-CH" sz="2800" dirty="0" err="1" smtClean="0"/>
+              <a:t>where</a:t>
+            </a:r>
+            <a:r>
+              <a:rPr lang="de-CH" sz="2800" dirty="0" smtClean="0"/>
+              <a:t> all </a:t>
+            </a:r>
+            <a:r>
+              <a:rPr lang="de-CH" sz="2800" dirty="0" err="1" smtClean="0"/>
+              <a:t>work</a:t>
+            </a:r>
+            <a:r>
+              <a:rPr lang="de-CH" sz="2800" dirty="0" smtClean="0"/>
+              <a:t> </a:t>
+            </a:r>
+            <a:r>
+              <a:rPr lang="de-CH" sz="2800" dirty="0" err="1" smtClean="0"/>
+              <a:t>together</a:t>
+            </a:r>
+            <a:r>
+              <a:rPr lang="de-CH" sz="2800" dirty="0"/>
+              <a:t> </a:t>
+            </a:r>
+            <a:r>
+              <a:rPr lang="de-CH" sz="2800" dirty="0" err="1" smtClean="0"/>
+              <a:t>there</a:t>
+            </a:r>
+            <a:r>
+              <a:rPr lang="de-CH" sz="2800" dirty="0" smtClean="0"/>
+              <a:t> </a:t>
+            </a:r>
+            <a:r>
+              <a:rPr lang="de-CH" sz="2800" dirty="0" err="1" smtClean="0"/>
+              <a:t>is</a:t>
+            </a:r>
+            <a:r>
+              <a:rPr lang="de-CH" sz="2800" dirty="0" smtClean="0"/>
+              <a:t> </a:t>
+            </a:r>
+            <a:r>
+              <a:rPr lang="de-CH" sz="2800" dirty="0" err="1" smtClean="0"/>
+              <a:t>no</a:t>
+            </a:r>
+            <a:r>
+              <a:rPr lang="de-CH" sz="2800" dirty="0" smtClean="0"/>
+              <a:t> </a:t>
+            </a:r>
+            <a:r>
+              <a:rPr lang="de-CH" sz="2800" dirty="0" err="1" smtClean="0"/>
+              <a:t>looser</a:t>
+            </a:r>
+            <a:endParaRPr lang="de-CH" sz="2800" dirty="0"/>
+          </a:p>
+        </p:txBody>
+      </p:sp>
+    </p:spTree>
+    <p:extLst>
+      <p:ext uri="{BB962C8B-B14F-4D97-AF65-F5344CB8AC3E}">
+        <p14:creationId xmlns:p14="http://schemas.microsoft.com/office/powerpoint/2010/main" val="3051934922"/>
+      </p:ext>
+    </p:extLst>
+  </p:cSld>
+  <p:clrMapOvr>
+    <a:masterClrMapping/>
+  </p:clrMapOvr>
+  <p:timing>
+    <p:tnLst>
+      <p:par>
+        <p:cTn id="1" dur="indefinite" restart="never" nodeType="tmRoot"/>
       </p:par>
     </p:tnLst>
   </p:timing>
@@ -4108,7 +4404,7 @@
   <p:timing>
     <p:tnLst>
       <p:par>
-        <p:cTn xmlns:p14="http://schemas.microsoft.com/office/powerpoint/2010/main" id="1" dur="indefinite" restart="never" nodeType="tmRoot"/>
+        <p:cTn id="1" dur="indefinite" restart="never" nodeType="tmRoot"/>
       </p:par>
     </p:tnLst>
   </p:timing>
@@ -4261,12 +4557,13 @@
             </a:r>
             <a:r>
               <a:rPr lang="de-CH" sz="2600" dirty="0" err="1" smtClean="0"/>
-              <a:t>behaviour</a:t>
+              <a:t>behavior</a:t>
             </a:r>
             <a:r>
               <a:rPr lang="de-CH" sz="2600" dirty="0" smtClean="0"/>
               <a:t> </a:t>
             </a:r>
+            <a:endParaRPr lang="de-CH" sz="2600" dirty="0" smtClean="0"/>
           </a:p>
           <a:p>
             <a:pPr lvl="1"/>
@@ -4330,7 +4627,7 @@
   <p:timing>
     <p:tnLst>
       <p:par>
-        <p:cTn xmlns:p14="http://schemas.microsoft.com/office/powerpoint/2010/main" id="1" dur="indefinite" restart="never" nodeType="tmRoot"/>
+        <p:cTn id="1" dur="indefinite" restart="never" nodeType="tmRoot"/>
       </p:par>
     </p:tnLst>
   </p:timing>
@@ -4438,10 +4735,14 @@
             <a:endParaRPr lang="en-US" dirty="0" smtClean="0"/>
           </a:p>
           <a:p>
+            <a:endParaRPr lang="en-US" dirty="0" smtClean="0"/>
+          </a:p>
+          <a:p>
             <a:r>
               <a:rPr lang="en-US" dirty="0" smtClean="0"/>
               <a:t>Pros</a:t>
             </a:r>
+            <a:endParaRPr lang="en-US" dirty="0" smtClean="0"/>
           </a:p>
           <a:p>
             <a:pPr lvl="1"/>
@@ -4637,7 +4938,7 @@
   <p:timing>
     <p:tnLst>
       <p:par>
-        <p:cTn xmlns:p14="http://schemas.microsoft.com/office/powerpoint/2010/main" id="1" dur="indefinite" restart="never" nodeType="tmRoot"/>
+        <p:cTn id="1" dur="indefinite" restart="never" nodeType="tmRoot"/>
       </p:par>
     </p:tnLst>
   </p:timing>
@@ -4725,6 +5026,40 @@
             <a:endParaRPr lang="de-CH" sz="3000" dirty="0" smtClean="0"/>
           </a:p>
           <a:p>
+            <a:endParaRPr lang="de-CH" sz="3000" dirty="0"/>
+          </a:p>
+          <a:p>
+            <a:r>
+              <a:rPr lang="de-CH" sz="3000" dirty="0" err="1" smtClean="0"/>
+              <a:t>Health</a:t>
+            </a:r>
+            <a:r>
+              <a:rPr lang="de-CH" sz="3000" dirty="0" smtClean="0"/>
+              <a:t> </a:t>
+            </a:r>
+            <a:r>
+              <a:rPr lang="de-CH" sz="3000" dirty="0" err="1" smtClean="0"/>
+              <a:t>status</a:t>
+            </a:r>
+            <a:r>
+              <a:rPr lang="de-CH" sz="3000" dirty="0" smtClean="0"/>
+              <a:t> </a:t>
+            </a:r>
+            <a:r>
+              <a:rPr lang="de-CH" sz="3000" dirty="0" err="1" smtClean="0"/>
+              <a:t>as</a:t>
+            </a:r>
+            <a:r>
+              <a:rPr lang="de-CH" sz="3000" dirty="0" smtClean="0"/>
+              <a:t> </a:t>
+            </a:r>
+            <a:r>
+              <a:rPr lang="de-CH" sz="3000" dirty="0" err="1" smtClean="0"/>
+              <a:t>attribute</a:t>
+            </a:r>
+            <a:endParaRPr lang="de-CH" sz="3000" dirty="0" smtClean="0"/>
+          </a:p>
+          <a:p>
             <a:endParaRPr lang="de-CH" sz="3000" dirty="0" smtClean="0"/>
           </a:p>
           <a:p>
@@ -4781,7 +5116,7 @@
   <p:timing>
     <p:tnLst>
       <p:par>
-        <p:cTn xmlns:p14="http://schemas.microsoft.com/office/powerpoint/2010/main" id="1" dur="indefinite" restart="never" nodeType="tmRoot"/>
+        <p:cTn id="1" dur="indefinite" restart="never" nodeType="tmRoot"/>
       </p:par>
     </p:tnLst>
   </p:timing>
@@ -4901,6 +5236,26 @@
               <a:rPr lang="de-CH" sz="3000" dirty="0" err="1" smtClean="0"/>
               <a:t>goals</a:t>
             </a:r>
+            <a:r>
+              <a:rPr lang="de-CH" sz="3000" dirty="0" smtClean="0"/>
+              <a:t> bu</a:t>
+            </a:r>
+            <a:r>
+              <a:rPr lang="de-CH" sz="3000" dirty="0" smtClean="0"/>
+              <a:t>t also </a:t>
+            </a:r>
+            <a:r>
+              <a:rPr lang="de-CH" sz="3000" dirty="0" err="1" smtClean="0"/>
+              <a:t>consider</a:t>
+            </a:r>
+            <a:r>
+              <a:rPr lang="de-CH" sz="3000" dirty="0" smtClean="0"/>
+              <a:t> global </a:t>
+            </a:r>
+            <a:r>
+              <a:rPr lang="de-CH" sz="3000" dirty="0" err="1" smtClean="0"/>
+              <a:t>optimum</a:t>
+            </a:r>
             <a:endParaRPr lang="de-CH" sz="3000" dirty="0" smtClean="0"/>
           </a:p>
           <a:p>
@@ -5044,7 +5399,7 @@
   <p:timing>
     <p:tnLst>
       <p:par>
-        <p:cTn xmlns:p14="http://schemas.microsoft.com/office/powerpoint/2010/main" id="1" dur="indefinite" restart="never" nodeType="tmRoot"/>
+        <p:cTn id="1" dur="indefinite" restart="never" nodeType="tmRoot"/>
       </p:par>
     </p:tnLst>
   </p:timing>
@@ -5260,7 +5615,7 @@
   <p:timing>
     <p:tnLst>
       <p:par>
-        <p:cTn xmlns:p14="http://schemas.microsoft.com/office/powerpoint/2010/main" id="1" dur="indefinite" restart="never" nodeType="tmRoot"/>
+        <p:cTn id="1" dur="indefinite" restart="never" nodeType="tmRoot"/>
       </p:par>
     </p:tnLst>
   </p:timing>
@@ -5333,7 +5688,7 @@
         </p:spPr>
         <p:txBody>
           <a:bodyPr>
-            <a:normAutofit/>
+            <a:normAutofit lnSpcReduction="10000"/>
           </a:bodyPr>
           <a:lstStyle/>
           <a:p>
@@ -5388,6 +5743,26 @@
             <a:r>
               <a:rPr lang="de-CH" sz="3000" dirty="0" err="1" smtClean="0"/>
               <a:t>unless</a:t>
+            </a:r>
+            <a:r>
+              <a:rPr lang="de-CH" sz="3000" dirty="0" smtClean="0"/>
+              <a:t> </a:t>
+            </a:r>
+            <a:r>
+              <a:rPr lang="de-CH" sz="3000" dirty="0" err="1" smtClean="0"/>
+              <a:t>they</a:t>
+            </a:r>
+            <a:r>
+              <a:rPr lang="de-CH" sz="3000" dirty="0"/>
+              <a:t> </a:t>
+            </a:r>
+            <a:r>
+              <a:rPr lang="de-CH" sz="3000" dirty="0" smtClean="0"/>
+              <a:t>fall </a:t>
+            </a:r>
+            <a:r>
+              <a:rPr lang="de-CH" sz="3000" dirty="0" err="1" smtClean="0"/>
+              <a:t>into</a:t>
             </a:r>
             <a:r>
               <a:rPr lang="de-CH" sz="3000" dirty="0" smtClean="0"/>
@@ -5570,6 +5945,34 @@
             <a:r>
               <a:rPr lang="de-CH" sz="3000" dirty="0" err="1" smtClean="0"/>
               <a:t>priority</a:t>
+            </a:r>
+            <a:r>
+              <a:rPr lang="de-CH" sz="3000" dirty="0" smtClean="0"/>
+              <a:t> (</a:t>
+            </a:r>
+            <a:r>
+              <a:rPr lang="de-CH" sz="3000" dirty="0" err="1" smtClean="0"/>
+              <a:t>if</a:t>
+            </a:r>
+            <a:r>
+              <a:rPr lang="de-CH" sz="3000" dirty="0" smtClean="0"/>
+              <a:t> </a:t>
+            </a:r>
+            <a:r>
+              <a:rPr lang="de-CH" sz="3000" dirty="0" err="1" smtClean="0"/>
+              <a:t>they</a:t>
+            </a:r>
+            <a:r>
+              <a:rPr lang="de-CH" sz="3000" dirty="0" smtClean="0"/>
+              <a:t> </a:t>
+            </a:r>
+            <a:r>
+              <a:rPr lang="de-CH" sz="3000" dirty="0" err="1" smtClean="0"/>
+              <a:t>can</a:t>
+            </a:r>
+            <a:r>
+              <a:rPr lang="de-CH" sz="3000" dirty="0" smtClean="0"/>
+              <a:t>)</a:t>
             </a:r>
             <a:endParaRPr lang="en-US" sz="3000" dirty="0" smtClean="0"/>
           </a:p>
@@ -5588,7 +5991,7 @@
   <p:timing>
     <p:tnLst>
       <p:par>
-        <p:cTn xmlns:p14="http://schemas.microsoft.com/office/powerpoint/2010/main" id="1" dur="indefinite" restart="never" nodeType="tmRoot"/>
+        <p:cTn id="1" dur="indefinite" restart="never" nodeType="tmRoot"/>
       </p:par>
     </p:tnLst>
   </p:timing>

--- a/documentation/OperationRoom/presentation/ORP_neher_buettiker.pptx
+++ b/documentation/OperationRoom/presentation/ORP_neher_buettiker.pptx
@@ -16,8 +16,10 @@
     <p:sldId id="266" r:id="rId10"/>
     <p:sldId id="264" r:id="rId11"/>
     <p:sldId id="265" r:id="rId12"/>
-    <p:sldId id="257" r:id="rId13"/>
-    <p:sldId id="268" r:id="rId14"/>
+    <p:sldId id="269" r:id="rId13"/>
+    <p:sldId id="257" r:id="rId14"/>
+    <p:sldId id="268" r:id="rId15"/>
+    <p:sldId id="270" r:id="rId16"/>
   </p:sldIdLst>
   <p:sldSz cx="9144000" cy="6858000" type="screen4x3"/>
   <p:notesSz cx="6858000" cy="9144000"/>
@@ -3861,6 +3863,81 @@
         </p:nvSpPr>
         <p:spPr/>
         <p:txBody>
+          <a:bodyPr/>
+          <a:lstStyle/>
+          <a:p>
+            <a:r>
+              <a:rPr lang="de-CH" dirty="0" smtClean="0"/>
+              <a:t>End</a:t>
+            </a:r>
+            <a:endParaRPr lang="en-US" dirty="0"/>
+          </a:p>
+        </p:txBody>
+      </p:sp>
+      <p:sp>
+        <p:nvSpPr>
+          <p:cNvPr id="3" name="Inhaltsplatzhalter 2"/>
+          <p:cNvSpPr>
+            <a:spLocks noGrp="1"/>
+          </p:cNvSpPr>
+          <p:nvPr>
+            <p:ph idx="1"/>
+          </p:nvPr>
+        </p:nvSpPr>
+        <p:spPr/>
+        <p:txBody>
+          <a:bodyPr/>
+          <a:lstStyle/>
+          <a:p>
+            <a:pPr marL="0" indent="0">
+              <a:buNone/>
+            </a:pPr>
+            <a:endParaRPr lang="en-US" dirty="0"/>
+          </a:p>
+        </p:txBody>
+      </p:sp>
+    </p:spTree>
+    <p:extLst>
+      <p:ext uri="{BB962C8B-B14F-4D97-AF65-F5344CB8AC3E}">
+        <p14:creationId xmlns:p14="http://schemas.microsoft.com/office/powerpoint/2010/main" val="3129274482"/>
+      </p:ext>
+    </p:extLst>
+  </p:cSld>
+  <p:clrMapOvr>
+    <a:masterClrMapping/>
+  </p:clrMapOvr>
+</p:sld>
+</file>
+
+<file path=ppt/slides/slide13.xml><?xml version="1.0" encoding="utf-8"?>
+<p:sld xmlns:a="http://schemas.openxmlformats.org/drawingml/2006/main" xmlns:r="http://schemas.openxmlformats.org/officeDocument/2006/relationships" xmlns:p="http://schemas.openxmlformats.org/presentationml/2006/main">
+  <p:cSld>
+    <p:spTree>
+      <p:nvGrpSpPr>
+        <p:cNvPr id="1" name=""/>
+        <p:cNvGrpSpPr/>
+        <p:nvPr/>
+      </p:nvGrpSpPr>
+      <p:grpSpPr>
+        <a:xfrm>
+          <a:off x="0" y="0"/>
+          <a:ext cx="0" cy="0"/>
+          <a:chOff x="0" y="0"/>
+          <a:chExt cx="0" cy="0"/>
+        </a:xfrm>
+      </p:grpSpPr>
+      <p:sp>
+        <p:nvSpPr>
+          <p:cNvPr id="2" name="Titel 1"/>
+          <p:cNvSpPr>
+            <a:spLocks noGrp="1"/>
+          </p:cNvSpPr>
+          <p:nvPr>
+            <p:ph type="title"/>
+          </p:nvPr>
+        </p:nvSpPr>
+        <p:spPr/>
+        <p:txBody>
           <a:bodyPr>
             <a:normAutofit fontScale="90000"/>
           </a:bodyPr>
@@ -4036,7 +4113,7 @@
 </p:sld>
 </file>
 
-<file path=ppt/slides/slide13.xml><?xml version="1.0" encoding="utf-8"?>
+<file path=ppt/slides/slide14.xml><?xml version="1.0" encoding="utf-8"?>
 <p:sld xmlns:a="http://schemas.openxmlformats.org/drawingml/2006/main" xmlns:r="http://schemas.openxmlformats.org/officeDocument/2006/relationships" xmlns:p="http://schemas.openxmlformats.org/presentationml/2006/main">
   <p:cSld>
     <p:spTree>
@@ -4286,6 +4363,222 @@
     <p:extLst>
       <p:ext uri="{BB962C8B-B14F-4D97-AF65-F5344CB8AC3E}">
         <p14:creationId xmlns:p14="http://schemas.microsoft.com/office/powerpoint/2010/main" val="3051934922"/>
+      </p:ext>
+    </p:extLst>
+  </p:cSld>
+  <p:clrMapOvr>
+    <a:masterClrMapping/>
+  </p:clrMapOvr>
+  <p:timing>
+    <p:tnLst>
+      <p:par>
+        <p:cTn id="1" dur="indefinite" restart="never" nodeType="tmRoot"/>
+      </p:par>
+    </p:tnLst>
+  </p:timing>
+</p:sld>
+</file>
+
+<file path=ppt/slides/slide15.xml><?xml version="1.0" encoding="utf-8"?>
+<p:sld xmlns:a="http://schemas.openxmlformats.org/drawingml/2006/main" xmlns:r="http://schemas.openxmlformats.org/officeDocument/2006/relationships" xmlns:p="http://schemas.openxmlformats.org/presentationml/2006/main">
+  <p:cSld>
+    <p:spTree>
+      <p:nvGrpSpPr>
+        <p:cNvPr id="1" name=""/>
+        <p:cNvGrpSpPr/>
+        <p:nvPr/>
+      </p:nvGrpSpPr>
+      <p:grpSpPr>
+        <a:xfrm>
+          <a:off x="0" y="0"/>
+          <a:ext cx="0" cy="0"/>
+          <a:chOff x="0" y="0"/>
+          <a:chExt cx="0" cy="0"/>
+        </a:xfrm>
+      </p:grpSpPr>
+      <p:sp>
+        <p:nvSpPr>
+          <p:cNvPr id="2" name="Titel 1"/>
+          <p:cNvSpPr>
+            <a:spLocks noGrp="1"/>
+          </p:cNvSpPr>
+          <p:nvPr>
+            <p:ph type="title"/>
+          </p:nvPr>
+        </p:nvSpPr>
+        <p:spPr/>
+        <p:txBody>
+          <a:bodyPr>
+            <a:normAutofit fontScale="90000"/>
+          </a:bodyPr>
+          <a:lstStyle/>
+          <a:p>
+            <a:r>
+              <a:rPr lang="de-CH" dirty="0" smtClean="0"/>
+              <a:t>Opposition </a:t>
+            </a:r>
+            <a:r>
+              <a:rPr lang="de-CH" sz="2900" dirty="0"/>
+              <a:t>- Hari </a:t>
+            </a:r>
+            <a:r>
+              <a:rPr lang="de-CH" sz="2900" dirty="0" err="1"/>
+              <a:t>Sagar</a:t>
+            </a:r>
+            <a:r>
+              <a:rPr lang="de-CH" sz="2900" dirty="0"/>
+              <a:t> </a:t>
+            </a:r>
+            <a:r>
+              <a:rPr lang="de-CH" sz="2900" dirty="0" err="1" smtClean="0"/>
+              <a:t>Ranjitkar</a:t>
+            </a:r>
+            <a:r>
+              <a:rPr lang="de-CH" sz="2900" dirty="0" smtClean="0"/>
+              <a:t> &amp; </a:t>
+            </a:r>
+            <a:r>
+              <a:rPr lang="de-CH" sz="2900" dirty="0" err="1" smtClean="0"/>
+              <a:t>Jedidiah</a:t>
+            </a:r>
+            <a:r>
+              <a:rPr lang="de-CH" sz="2900" dirty="0" smtClean="0"/>
+              <a:t> </a:t>
+            </a:r>
+            <a:r>
+              <a:rPr lang="de-CH" sz="2900" dirty="0" err="1"/>
+              <a:t>Waltedji</a:t>
+            </a:r>
+            <a:endParaRPr lang="en-US" sz="2900" dirty="0"/>
+          </a:p>
+        </p:txBody>
+      </p:sp>
+      <p:sp>
+        <p:nvSpPr>
+          <p:cNvPr id="3" name="Inhaltsplatzhalter 2"/>
+          <p:cNvSpPr>
+            <a:spLocks noGrp="1"/>
+          </p:cNvSpPr>
+          <p:nvPr>
+            <p:ph idx="1"/>
+          </p:nvPr>
+        </p:nvSpPr>
+        <p:spPr/>
+        <p:txBody>
+          <a:bodyPr>
+            <a:normAutofit/>
+          </a:bodyPr>
+          <a:lstStyle/>
+          <a:p>
+            <a:r>
+              <a:rPr lang="de-CH" sz="3000" dirty="0" smtClean="0"/>
+              <a:t>Patient </a:t>
+            </a:r>
+            <a:r>
+              <a:rPr lang="de-CH" sz="3000" dirty="0" err="1" smtClean="0"/>
+              <a:t>as</a:t>
+            </a:r>
+            <a:r>
+              <a:rPr lang="de-CH" sz="3000" dirty="0" smtClean="0"/>
+              <a:t> Agent</a:t>
+            </a:r>
+            <a:endParaRPr lang="de-CH" sz="3000" dirty="0" smtClean="0"/>
+          </a:p>
+          <a:p>
+            <a:pPr lvl="1"/>
+            <a:r>
+              <a:rPr lang="de-CH" sz="2600" dirty="0" err="1" smtClean="0"/>
+              <a:t>Which</a:t>
+            </a:r>
+            <a:r>
+              <a:rPr lang="de-CH" sz="2600" dirty="0" smtClean="0"/>
+              <a:t> </a:t>
+            </a:r>
+            <a:r>
+              <a:rPr lang="de-CH" sz="2600" dirty="0" err="1" smtClean="0"/>
+              <a:t>decision</a:t>
+            </a:r>
+            <a:r>
+              <a:rPr lang="de-CH" sz="2600" dirty="0" smtClean="0"/>
+              <a:t> </a:t>
+            </a:r>
+            <a:r>
+              <a:rPr lang="de-CH" sz="2600" dirty="0" err="1" smtClean="0"/>
+              <a:t>can</a:t>
+            </a:r>
+            <a:r>
+              <a:rPr lang="de-CH" sz="2600" dirty="0" smtClean="0"/>
+              <a:t> </a:t>
+            </a:r>
+            <a:r>
+              <a:rPr lang="de-CH" sz="2600" dirty="0" err="1" smtClean="0"/>
+              <a:t>this</a:t>
+            </a:r>
+            <a:r>
+              <a:rPr lang="de-CH" sz="2600" dirty="0" smtClean="0"/>
+              <a:t> </a:t>
+            </a:r>
+            <a:r>
+              <a:rPr lang="de-CH" sz="2600" dirty="0" err="1" smtClean="0"/>
+              <a:t>agent</a:t>
+            </a:r>
+            <a:r>
+              <a:rPr lang="de-CH" sz="2600" dirty="0" smtClean="0"/>
+              <a:t> do?</a:t>
+            </a:r>
+          </a:p>
+          <a:p>
+            <a:pPr lvl="1"/>
+            <a:r>
+              <a:rPr lang="de-CH" sz="2600" dirty="0" smtClean="0">
+                <a:sym typeface="Wingdings" pitchFamily="2" charset="2"/>
+              </a:rPr>
+              <a:t> </a:t>
+            </a:r>
+            <a:r>
+              <a:rPr lang="de-CH" sz="2600" dirty="0" err="1" smtClean="0">
+                <a:sym typeface="Wingdings" pitchFamily="2" charset="2"/>
+              </a:rPr>
+              <a:t>Is</a:t>
+            </a:r>
+            <a:r>
+              <a:rPr lang="de-CH" sz="2600" dirty="0" smtClean="0">
+                <a:sym typeface="Wingdings" pitchFamily="2" charset="2"/>
+              </a:rPr>
+              <a:t> a </a:t>
+            </a:r>
+            <a:r>
+              <a:rPr lang="de-CH" sz="2600" dirty="0" err="1" smtClean="0">
+                <a:sym typeface="Wingdings" pitchFamily="2" charset="2"/>
+              </a:rPr>
+              <a:t>patient</a:t>
+            </a:r>
+            <a:r>
+              <a:rPr lang="de-CH" sz="2600" dirty="0" smtClean="0">
+                <a:sym typeface="Wingdings" pitchFamily="2" charset="2"/>
+              </a:rPr>
+              <a:t> not a simple </a:t>
+            </a:r>
+            <a:r>
+              <a:rPr lang="de-CH" sz="2600" dirty="0" err="1" smtClean="0">
+                <a:sym typeface="Wingdings" pitchFamily="2" charset="2"/>
+              </a:rPr>
+              <a:t>Entity</a:t>
+            </a:r>
+            <a:r>
+              <a:rPr lang="de-CH" sz="2600" dirty="0" smtClean="0">
+                <a:sym typeface="Wingdings" pitchFamily="2" charset="2"/>
+              </a:rPr>
+              <a:t>?</a:t>
+            </a:r>
+            <a:endParaRPr lang="de-CH" sz="2600" dirty="0"/>
+          </a:p>
+        </p:txBody>
+      </p:sp>
+    </p:spTree>
+    <p:extLst>
+      <p:ext uri="{BB962C8B-B14F-4D97-AF65-F5344CB8AC3E}">
+        <p14:creationId xmlns:p14="http://schemas.microsoft.com/office/powerpoint/2010/main" val="7172656"/>
       </p:ext>
     </p:extLst>
   </p:cSld>
@@ -4563,7 +4856,6 @@
               <a:rPr lang="de-CH" sz="2600" dirty="0" smtClean="0"/>
               <a:t> </a:t>
             </a:r>
-            <a:endParaRPr lang="de-CH" sz="2600" dirty="0" smtClean="0"/>
           </a:p>
           <a:p>
             <a:pPr lvl="1"/>
@@ -4742,7 +5034,6 @@
               <a:rPr lang="en-US" dirty="0" smtClean="0"/>
               <a:t>Pros</a:t>
             </a:r>
-            <a:endParaRPr lang="en-US" dirty="0" smtClean="0"/>
           </a:p>
           <a:p>
             <a:pPr lvl="1"/>
@@ -5238,11 +5529,7 @@
             </a:r>
             <a:r>
               <a:rPr lang="de-CH" sz="3000" dirty="0" smtClean="0"/>
-              <a:t> bu</a:t>
-            </a:r>
-            <a:r>
-              <a:rPr lang="de-CH" sz="3000" dirty="0" smtClean="0"/>
-              <a:t>t also </a:t>
+              <a:t> but also </a:t>
             </a:r>
             <a:r>
               <a:rPr lang="de-CH" sz="3000" dirty="0" err="1" smtClean="0"/>
